--- a/ServerLecture/PT/3강 멀티스레딩 이론.pptx
+++ b/ServerLecture/PT/3강 멀티스레딩 이론.pptx
@@ -5,11 +5,12 @@
     <p:sldMasterId id="2147483648" r:id="rId1"/>
   </p:sldMasterIdLst>
   <p:notesMasterIdLst>
-    <p:notesMasterId r:id="rId4"/>
+    <p:notesMasterId r:id="rId5"/>
   </p:notesMasterIdLst>
   <p:sldIdLst>
     <p:sldId id="256" r:id="rId2"/>
-    <p:sldId id="305" r:id="rId3"/>
+    <p:sldId id="306" r:id="rId3"/>
+    <p:sldId id="305" r:id="rId4"/>
   </p:sldIdLst>
   <p:sldSz cx="12192000" cy="6858000"/>
   <p:notesSz cx="6858000" cy="9144000"/>
@@ -198,7 +199,7 @@
           <a:p>
             <a:fld id="{9F38EF70-A3C6-4744-A0C7-7E69F2A4CDE1}" type="datetimeFigureOut">
               <a:rPr lang="ko-KR" altLang="en-US" smtClean="0"/>
-              <a:t>2023-08-21</a:t>
+              <a:t>2023-08-26</a:t>
             </a:fld>
             <a:endParaRPr lang="ko-KR" altLang="en-US"/>
           </a:p>
@@ -530,7 +531,7 @@
           <a:p>
             <a:fld id="{D8DCC404-E41A-4BC0-921C-BBFB3AB1AB4E}" type="slidenum">
               <a:rPr lang="ko-KR" altLang="en-US" smtClean="0"/>
-              <a:t>2</a:t>
+              <a:t>3</a:t>
             </a:fld>
             <a:endParaRPr lang="ko-KR" altLang="en-US"/>
           </a:p>
@@ -696,7 +697,7 @@
           <a:p>
             <a:fld id="{F1041C39-2947-4515-B6CA-3C2FD3810A02}" type="datetimeFigureOut">
               <a:rPr lang="ko-KR" altLang="en-US" smtClean="0"/>
-              <a:t>2023-08-21</a:t>
+              <a:t>2023-08-26</a:t>
             </a:fld>
             <a:endParaRPr lang="ko-KR" altLang="en-US"/>
           </a:p>
@@ -894,7 +895,7 @@
           <a:p>
             <a:fld id="{F1041C39-2947-4515-B6CA-3C2FD3810A02}" type="datetimeFigureOut">
               <a:rPr lang="ko-KR" altLang="en-US" smtClean="0"/>
-              <a:t>2023-08-21</a:t>
+              <a:t>2023-08-26</a:t>
             </a:fld>
             <a:endParaRPr lang="ko-KR" altLang="en-US"/>
           </a:p>
@@ -1102,7 +1103,7 @@
           <a:p>
             <a:fld id="{F1041C39-2947-4515-B6CA-3C2FD3810A02}" type="datetimeFigureOut">
               <a:rPr lang="ko-KR" altLang="en-US" smtClean="0"/>
-              <a:t>2023-08-21</a:t>
+              <a:t>2023-08-26</a:t>
             </a:fld>
             <a:endParaRPr lang="ko-KR" altLang="en-US"/>
           </a:p>
@@ -1300,7 +1301,7 @@
           <a:p>
             <a:fld id="{F1041C39-2947-4515-B6CA-3C2FD3810A02}" type="datetimeFigureOut">
               <a:rPr lang="ko-KR" altLang="en-US" smtClean="0"/>
-              <a:t>2023-08-21</a:t>
+              <a:t>2023-08-26</a:t>
             </a:fld>
             <a:endParaRPr lang="ko-KR" altLang="en-US"/>
           </a:p>
@@ -1575,7 +1576,7 @@
           <a:p>
             <a:fld id="{F1041C39-2947-4515-B6CA-3C2FD3810A02}" type="datetimeFigureOut">
               <a:rPr lang="ko-KR" altLang="en-US" smtClean="0"/>
-              <a:t>2023-08-21</a:t>
+              <a:t>2023-08-26</a:t>
             </a:fld>
             <a:endParaRPr lang="ko-KR" altLang="en-US"/>
           </a:p>
@@ -1840,7 +1841,7 @@
           <a:p>
             <a:fld id="{F1041C39-2947-4515-B6CA-3C2FD3810A02}" type="datetimeFigureOut">
               <a:rPr lang="ko-KR" altLang="en-US" smtClean="0"/>
-              <a:t>2023-08-21</a:t>
+              <a:t>2023-08-26</a:t>
             </a:fld>
             <a:endParaRPr lang="ko-KR" altLang="en-US"/>
           </a:p>
@@ -2252,7 +2253,7 @@
           <a:p>
             <a:fld id="{F1041C39-2947-4515-B6CA-3C2FD3810A02}" type="datetimeFigureOut">
               <a:rPr lang="ko-KR" altLang="en-US" smtClean="0"/>
-              <a:t>2023-08-21</a:t>
+              <a:t>2023-08-26</a:t>
             </a:fld>
             <a:endParaRPr lang="ko-KR" altLang="en-US"/>
           </a:p>
@@ -2393,7 +2394,7 @@
           <a:p>
             <a:fld id="{F1041C39-2947-4515-B6CA-3C2FD3810A02}" type="datetimeFigureOut">
               <a:rPr lang="ko-KR" altLang="en-US" smtClean="0"/>
-              <a:t>2023-08-21</a:t>
+              <a:t>2023-08-26</a:t>
             </a:fld>
             <a:endParaRPr lang="ko-KR" altLang="en-US"/>
           </a:p>
@@ -2506,7 +2507,7 @@
           <a:p>
             <a:fld id="{F1041C39-2947-4515-B6CA-3C2FD3810A02}" type="datetimeFigureOut">
               <a:rPr lang="ko-KR" altLang="en-US" smtClean="0"/>
-              <a:t>2023-08-21</a:t>
+              <a:t>2023-08-26</a:t>
             </a:fld>
             <a:endParaRPr lang="ko-KR" altLang="en-US"/>
           </a:p>
@@ -2817,7 +2818,7 @@
           <a:p>
             <a:fld id="{F1041C39-2947-4515-B6CA-3C2FD3810A02}" type="datetimeFigureOut">
               <a:rPr lang="ko-KR" altLang="en-US" smtClean="0"/>
-              <a:t>2023-08-21</a:t>
+              <a:t>2023-08-26</a:t>
             </a:fld>
             <a:endParaRPr lang="ko-KR" altLang="en-US"/>
           </a:p>
@@ -3105,7 +3106,7 @@
           <a:p>
             <a:fld id="{F1041C39-2947-4515-B6CA-3C2FD3810A02}" type="datetimeFigureOut">
               <a:rPr lang="ko-KR" altLang="en-US" smtClean="0"/>
-              <a:t>2023-08-21</a:t>
+              <a:t>2023-08-26</a:t>
             </a:fld>
             <a:endParaRPr lang="ko-KR" altLang="en-US"/>
           </a:p>
@@ -3346,7 +3347,7 @@
           <a:p>
             <a:fld id="{F1041C39-2947-4515-B6CA-3C2FD3810A02}" type="datetimeFigureOut">
               <a:rPr lang="ko-KR" altLang="en-US" smtClean="0"/>
-              <a:t>2023-08-21</a:t>
+              <a:t>2023-08-26</a:t>
             </a:fld>
             <a:endParaRPr lang="ko-KR" altLang="en-US"/>
           </a:p>
@@ -3890,6 +3891,605 @@
 </file>
 
 <file path=ppt/slides/slide2.xml><?xml version="1.0" encoding="utf-8"?>
+<p:sld xmlns:a="http://schemas.openxmlformats.org/drawingml/2006/main" xmlns:r="http://schemas.openxmlformats.org/officeDocument/2006/relationships" xmlns:p="http://schemas.openxmlformats.org/presentationml/2006/main">
+  <p:cSld>
+    <p:spTree>
+      <p:nvGrpSpPr>
+        <p:cNvPr id="1" name=""/>
+        <p:cNvGrpSpPr/>
+        <p:nvPr/>
+      </p:nvGrpSpPr>
+      <p:grpSpPr>
+        <a:xfrm>
+          <a:off x="0" y="0"/>
+          <a:ext cx="0" cy="0"/>
+          <a:chOff x="0" y="0"/>
+          <a:chExt cx="0" cy="0"/>
+        </a:xfrm>
+      </p:grpSpPr>
+      <p:grpSp>
+        <p:nvGrpSpPr>
+          <p:cNvPr id="42" name="그룹 41">
+            <a:extLst>
+              <a:ext uri="{FF2B5EF4-FFF2-40B4-BE49-F238E27FC236}">
+                <a16:creationId xmlns:a16="http://schemas.microsoft.com/office/drawing/2014/main" id="{85B4AED3-34B2-42C4-85A4-EAA9A3356622}"/>
+              </a:ext>
+            </a:extLst>
+          </p:cNvPr>
+          <p:cNvGrpSpPr/>
+          <p:nvPr/>
+        </p:nvGrpSpPr>
+        <p:grpSpPr>
+          <a:xfrm>
+            <a:off x="4651469" y="1783617"/>
+            <a:ext cx="2889062" cy="3290766"/>
+            <a:chOff x="3530592" y="506889"/>
+            <a:chExt cx="5130816" cy="5844221"/>
+          </a:xfrm>
+        </p:grpSpPr>
+        <p:grpSp>
+          <p:nvGrpSpPr>
+            <p:cNvPr id="35" name="그룹 34">
+              <a:extLst>
+                <a:ext uri="{FF2B5EF4-FFF2-40B4-BE49-F238E27FC236}">
+                  <a16:creationId xmlns:a16="http://schemas.microsoft.com/office/drawing/2014/main" id="{FC95F63E-130E-4F7B-B4EE-765FB84F9F0D}"/>
+                </a:ext>
+              </a:extLst>
+            </p:cNvPr>
+            <p:cNvGrpSpPr/>
+            <p:nvPr/>
+          </p:nvGrpSpPr>
+          <p:grpSpPr>
+            <a:xfrm>
+              <a:off x="3530592" y="506889"/>
+              <a:ext cx="5130816" cy="5844221"/>
+              <a:chOff x="3530592" y="225065"/>
+              <a:chExt cx="5130816" cy="5844221"/>
+            </a:xfrm>
+          </p:grpSpPr>
+          <p:sp>
+            <p:nvSpPr>
+              <p:cNvPr id="6" name="사각형: 둥근 모서리 5">
+                <a:extLst>
+                  <a:ext uri="{FF2B5EF4-FFF2-40B4-BE49-F238E27FC236}">
+                    <a16:creationId xmlns:a16="http://schemas.microsoft.com/office/drawing/2014/main" id="{B0A6D6E7-C1A5-4141-A8AD-2A3DBC997A78}"/>
+                  </a:ext>
+                </a:extLst>
+              </p:cNvPr>
+              <p:cNvSpPr/>
+              <p:nvPr/>
+            </p:nvSpPr>
+            <p:spPr>
+              <a:xfrm>
+                <a:off x="3530592" y="225065"/>
+                <a:ext cx="5130816" cy="5844221"/>
+              </a:xfrm>
+              <a:prstGeom prst="roundRect">
+                <a:avLst>
+                  <a:gd name="adj" fmla="val 4552"/>
+                </a:avLst>
+              </a:prstGeom>
+              <a:noFill/>
+              <a:ln w="76200">
+                <a:solidFill>
+                  <a:schemeClr val="tx1"/>
+                </a:solidFill>
+              </a:ln>
+            </p:spPr>
+            <p:style>
+              <a:lnRef idx="2">
+                <a:schemeClr val="accent1">
+                  <a:shade val="50000"/>
+                </a:schemeClr>
+              </a:lnRef>
+              <a:fillRef idx="1">
+                <a:schemeClr val="accent1"/>
+              </a:fillRef>
+              <a:effectRef idx="0">
+                <a:schemeClr val="accent1"/>
+              </a:effectRef>
+              <a:fontRef idx="minor">
+                <a:schemeClr val="lt1"/>
+              </a:fontRef>
+            </p:style>
+            <p:txBody>
+              <a:bodyPr rtlCol="0" anchor="ctr"/>
+              <a:lstStyle/>
+              <a:p>
+                <a:pPr algn="ctr"/>
+                <a:endParaRPr lang="ko-KR" altLang="en-US"/>
+              </a:p>
+            </p:txBody>
+          </p:sp>
+          <p:cxnSp>
+            <p:nvCxnSpPr>
+              <p:cNvPr id="16" name="직선 연결선 15">
+                <a:extLst>
+                  <a:ext uri="{FF2B5EF4-FFF2-40B4-BE49-F238E27FC236}">
+                    <a16:creationId xmlns:a16="http://schemas.microsoft.com/office/drawing/2014/main" id="{1908FE81-C8C8-4B57-9B7A-25804CBB2928}"/>
+                  </a:ext>
+                </a:extLst>
+              </p:cNvPr>
+              <p:cNvCxnSpPr/>
+              <p:nvPr/>
+            </p:nvCxnSpPr>
+            <p:spPr>
+              <a:xfrm>
+                <a:off x="3530592" y="1621411"/>
+                <a:ext cx="5128182" cy="0"/>
+              </a:xfrm>
+              <a:prstGeom prst="line">
+                <a:avLst/>
+              </a:prstGeom>
+              <a:ln w="76200">
+                <a:solidFill>
+                  <a:schemeClr val="tx1"/>
+                </a:solidFill>
+              </a:ln>
+            </p:spPr>
+            <p:style>
+              <a:lnRef idx="1">
+                <a:schemeClr val="accent1"/>
+              </a:lnRef>
+              <a:fillRef idx="0">
+                <a:schemeClr val="accent1"/>
+              </a:fillRef>
+              <a:effectRef idx="0">
+                <a:schemeClr val="accent1"/>
+              </a:effectRef>
+              <a:fontRef idx="minor">
+                <a:schemeClr val="tx1"/>
+              </a:fontRef>
+            </p:style>
+          </p:cxnSp>
+          <p:cxnSp>
+            <p:nvCxnSpPr>
+              <p:cNvPr id="25" name="직선 연결선 24">
+                <a:extLst>
+                  <a:ext uri="{FF2B5EF4-FFF2-40B4-BE49-F238E27FC236}">
+                    <a16:creationId xmlns:a16="http://schemas.microsoft.com/office/drawing/2014/main" id="{9DCB70D1-A25B-47DC-9833-59A0A9AEA073}"/>
+                  </a:ext>
+                </a:extLst>
+              </p:cNvPr>
+              <p:cNvCxnSpPr/>
+              <p:nvPr/>
+            </p:nvCxnSpPr>
+            <p:spPr>
+              <a:xfrm>
+                <a:off x="3530592" y="2490248"/>
+                <a:ext cx="5128182" cy="0"/>
+              </a:xfrm>
+              <a:prstGeom prst="line">
+                <a:avLst/>
+              </a:prstGeom>
+              <a:ln w="76200">
+                <a:solidFill>
+                  <a:schemeClr val="tx1"/>
+                </a:solidFill>
+              </a:ln>
+            </p:spPr>
+            <p:style>
+              <a:lnRef idx="1">
+                <a:schemeClr val="accent1"/>
+              </a:lnRef>
+              <a:fillRef idx="0">
+                <a:schemeClr val="accent1"/>
+              </a:fillRef>
+              <a:effectRef idx="0">
+                <a:schemeClr val="accent1"/>
+              </a:effectRef>
+              <a:fontRef idx="minor">
+                <a:schemeClr val="tx1"/>
+              </a:fontRef>
+            </p:style>
+          </p:cxnSp>
+          <p:cxnSp>
+            <p:nvCxnSpPr>
+              <p:cNvPr id="31" name="직선 연결선 30">
+                <a:extLst>
+                  <a:ext uri="{FF2B5EF4-FFF2-40B4-BE49-F238E27FC236}">
+                    <a16:creationId xmlns:a16="http://schemas.microsoft.com/office/drawing/2014/main" id="{63A46EF6-023D-48E3-A2D4-4C3BB888FEAA}"/>
+                  </a:ext>
+                </a:extLst>
+              </p:cNvPr>
+              <p:cNvCxnSpPr/>
+              <p:nvPr/>
+            </p:nvCxnSpPr>
+            <p:spPr>
+              <a:xfrm>
+                <a:off x="3530592" y="3385009"/>
+                <a:ext cx="5128182" cy="0"/>
+              </a:xfrm>
+              <a:prstGeom prst="line">
+                <a:avLst/>
+              </a:prstGeom>
+              <a:ln w="76200">
+                <a:solidFill>
+                  <a:schemeClr val="tx1"/>
+                </a:solidFill>
+              </a:ln>
+            </p:spPr>
+            <p:style>
+              <a:lnRef idx="1">
+                <a:schemeClr val="accent1"/>
+              </a:lnRef>
+              <a:fillRef idx="0">
+                <a:schemeClr val="accent1"/>
+              </a:fillRef>
+              <a:effectRef idx="0">
+                <a:schemeClr val="accent1"/>
+              </a:effectRef>
+              <a:fontRef idx="minor">
+                <a:schemeClr val="tx1"/>
+              </a:fontRef>
+            </p:style>
+          </p:cxnSp>
+          <p:cxnSp>
+            <p:nvCxnSpPr>
+              <p:cNvPr id="32" name="직선 연결선 31">
+                <a:extLst>
+                  <a:ext uri="{FF2B5EF4-FFF2-40B4-BE49-F238E27FC236}">
+                    <a16:creationId xmlns:a16="http://schemas.microsoft.com/office/drawing/2014/main" id="{9E45A52D-B6E9-4038-B8E1-F316BD76692F}"/>
+                  </a:ext>
+                </a:extLst>
+              </p:cNvPr>
+              <p:cNvCxnSpPr/>
+              <p:nvPr/>
+            </p:nvCxnSpPr>
+            <p:spPr>
+              <a:xfrm>
+                <a:off x="3530592" y="4279770"/>
+                <a:ext cx="5128182" cy="0"/>
+              </a:xfrm>
+              <a:prstGeom prst="line">
+                <a:avLst/>
+              </a:prstGeom>
+              <a:ln w="76200">
+                <a:solidFill>
+                  <a:schemeClr val="tx1"/>
+                </a:solidFill>
+              </a:ln>
+            </p:spPr>
+            <p:style>
+              <a:lnRef idx="1">
+                <a:schemeClr val="accent1"/>
+              </a:lnRef>
+              <a:fillRef idx="0">
+                <a:schemeClr val="accent1"/>
+              </a:fillRef>
+              <a:effectRef idx="0">
+                <a:schemeClr val="accent1"/>
+              </a:effectRef>
+              <a:fontRef idx="minor">
+                <a:schemeClr val="tx1"/>
+              </a:fontRef>
+            </p:style>
+          </p:cxnSp>
+          <p:cxnSp>
+            <p:nvCxnSpPr>
+              <p:cNvPr id="33" name="직선 연결선 32">
+                <a:extLst>
+                  <a:ext uri="{FF2B5EF4-FFF2-40B4-BE49-F238E27FC236}">
+                    <a16:creationId xmlns:a16="http://schemas.microsoft.com/office/drawing/2014/main" id="{C14218B6-DB81-4A70-9B3D-3ED994E9D9EA}"/>
+                  </a:ext>
+                </a:extLst>
+              </p:cNvPr>
+              <p:cNvCxnSpPr/>
+              <p:nvPr/>
+            </p:nvCxnSpPr>
+            <p:spPr>
+              <a:xfrm>
+                <a:off x="3530592" y="5174531"/>
+                <a:ext cx="5128182" cy="0"/>
+              </a:xfrm>
+              <a:prstGeom prst="line">
+                <a:avLst/>
+              </a:prstGeom>
+              <a:ln w="76200">
+                <a:solidFill>
+                  <a:schemeClr val="tx1"/>
+                </a:solidFill>
+              </a:ln>
+            </p:spPr>
+            <p:style>
+              <a:lnRef idx="1">
+                <a:schemeClr val="accent1"/>
+              </a:lnRef>
+              <a:fillRef idx="0">
+                <a:schemeClr val="accent1"/>
+              </a:fillRef>
+              <a:effectRef idx="0">
+                <a:schemeClr val="accent1"/>
+              </a:effectRef>
+              <a:fontRef idx="minor">
+                <a:schemeClr val="tx1"/>
+              </a:fontRef>
+            </p:style>
+          </p:cxnSp>
+        </p:grpSp>
+        <p:sp>
+          <p:nvSpPr>
+            <p:cNvPr id="36" name="TextBox 35">
+              <a:extLst>
+                <a:ext uri="{FF2B5EF4-FFF2-40B4-BE49-F238E27FC236}">
+                  <a16:creationId xmlns:a16="http://schemas.microsoft.com/office/drawing/2014/main" id="{AB3AB673-3061-4A8E-9F76-7F34F4424AF1}"/>
+                </a:ext>
+              </a:extLst>
+            </p:cNvPr>
+            <p:cNvSpPr txBox="1"/>
+            <p:nvPr/>
+          </p:nvSpPr>
+          <p:spPr>
+            <a:xfrm>
+              <a:off x="3803969" y="685798"/>
+              <a:ext cx="4581427" cy="1038529"/>
+            </a:xfrm>
+            <a:prstGeom prst="rect">
+              <a:avLst/>
+            </a:prstGeom>
+            <a:noFill/>
+          </p:spPr>
+          <p:txBody>
+            <a:bodyPr wrap="square" rtlCol="0" anchor="ctr">
+              <a:spAutoFit/>
+            </a:bodyPr>
+            <a:lstStyle/>
+            <a:p>
+              <a:pPr algn="ctr"/>
+              <a:r>
+                <a:rPr lang="en-US" altLang="ko-KR" sz="1600" dirty="0">
+                  <a:latin typeface="태나다체 " panose="02000000000000000000" pitchFamily="2" charset="-127"/>
+                  <a:ea typeface="태나다체 " panose="02000000000000000000" pitchFamily="2" charset="-127"/>
+                </a:rPr>
+                <a:t>TCB</a:t>
+              </a:r>
+            </a:p>
+            <a:p>
+              <a:pPr algn="ctr"/>
+              <a:r>
+                <a:rPr lang="en-US" altLang="ko-KR" sz="1600" dirty="0">
+                  <a:latin typeface="태나다체 " panose="02000000000000000000" pitchFamily="2" charset="-127"/>
+                  <a:ea typeface="태나다체 " panose="02000000000000000000" pitchFamily="2" charset="-127"/>
+                </a:rPr>
+                <a:t>Thread Control Block</a:t>
+              </a:r>
+              <a:endParaRPr lang="ko-KR" altLang="en-US" sz="1600" dirty="0">
+                <a:latin typeface="태나다체 " panose="02000000000000000000" pitchFamily="2" charset="-127"/>
+                <a:ea typeface="태나다체 " panose="02000000000000000000" pitchFamily="2" charset="-127"/>
+              </a:endParaRPr>
+            </a:p>
+          </p:txBody>
+        </p:sp>
+        <p:sp>
+          <p:nvSpPr>
+            <p:cNvPr id="37" name="TextBox 36">
+              <a:extLst>
+                <a:ext uri="{FF2B5EF4-FFF2-40B4-BE49-F238E27FC236}">
+                  <a16:creationId xmlns:a16="http://schemas.microsoft.com/office/drawing/2014/main" id="{289ADDEA-F00E-4448-84C8-5A104E2178A9}"/>
+                </a:ext>
+              </a:extLst>
+            </p:cNvPr>
+            <p:cNvSpPr txBox="1"/>
+            <p:nvPr/>
+          </p:nvSpPr>
+          <p:spPr>
+            <a:xfrm>
+              <a:off x="3803969" y="2049987"/>
+              <a:ext cx="4581427" cy="601253"/>
+            </a:xfrm>
+            <a:prstGeom prst="rect">
+              <a:avLst/>
+            </a:prstGeom>
+            <a:noFill/>
+          </p:spPr>
+          <p:txBody>
+            <a:bodyPr wrap="square" rtlCol="0" anchor="ctr">
+              <a:spAutoFit/>
+            </a:bodyPr>
+            <a:lstStyle/>
+            <a:p>
+              <a:pPr algn="ctr"/>
+              <a:r>
+                <a:rPr lang="en-US" altLang="ko-KR" sz="1600" dirty="0">
+                  <a:latin typeface="태나다체 " panose="02000000000000000000" pitchFamily="2" charset="-127"/>
+                  <a:ea typeface="태나다체 " panose="02000000000000000000" pitchFamily="2" charset="-127"/>
+                </a:rPr>
+                <a:t>Thread ID</a:t>
+              </a:r>
+              <a:endParaRPr lang="ko-KR" altLang="en-US" sz="1600" dirty="0">
+                <a:latin typeface="태나다체 " panose="02000000000000000000" pitchFamily="2" charset="-127"/>
+                <a:ea typeface="태나다체 " panose="02000000000000000000" pitchFamily="2" charset="-127"/>
+              </a:endParaRPr>
+            </a:p>
+          </p:txBody>
+        </p:sp>
+        <p:sp>
+          <p:nvSpPr>
+            <p:cNvPr id="38" name="TextBox 37">
+              <a:extLst>
+                <a:ext uri="{FF2B5EF4-FFF2-40B4-BE49-F238E27FC236}">
+                  <a16:creationId xmlns:a16="http://schemas.microsoft.com/office/drawing/2014/main" id="{22332C3D-23E2-4A64-BC26-A607EDF8A5BA}"/>
+                </a:ext>
+              </a:extLst>
+            </p:cNvPr>
+            <p:cNvSpPr txBox="1"/>
+            <p:nvPr/>
+          </p:nvSpPr>
+          <p:spPr>
+            <a:xfrm>
+              <a:off x="3803969" y="2918824"/>
+              <a:ext cx="4581427" cy="601253"/>
+            </a:xfrm>
+            <a:prstGeom prst="rect">
+              <a:avLst/>
+            </a:prstGeom>
+            <a:noFill/>
+          </p:spPr>
+          <p:txBody>
+            <a:bodyPr wrap="square" rtlCol="0" anchor="ctr">
+              <a:spAutoFit/>
+            </a:bodyPr>
+            <a:lstStyle/>
+            <a:p>
+              <a:pPr algn="ctr"/>
+              <a:r>
+                <a:rPr lang="en-US" altLang="ko-KR" sz="1600" dirty="0">
+                  <a:latin typeface="태나다체 " panose="02000000000000000000" pitchFamily="2" charset="-127"/>
+                  <a:ea typeface="태나다체 " panose="02000000000000000000" pitchFamily="2" charset="-127"/>
+                </a:rPr>
+                <a:t>Thread State</a:t>
+              </a:r>
+              <a:endParaRPr lang="ko-KR" altLang="en-US" sz="1600" dirty="0">
+                <a:latin typeface="태나다체 " panose="02000000000000000000" pitchFamily="2" charset="-127"/>
+                <a:ea typeface="태나다체 " panose="02000000000000000000" pitchFamily="2" charset="-127"/>
+              </a:endParaRPr>
+            </a:p>
+          </p:txBody>
+        </p:sp>
+        <p:sp>
+          <p:nvSpPr>
+            <p:cNvPr id="39" name="TextBox 38">
+              <a:extLst>
+                <a:ext uri="{FF2B5EF4-FFF2-40B4-BE49-F238E27FC236}">
+                  <a16:creationId xmlns:a16="http://schemas.microsoft.com/office/drawing/2014/main" id="{264D1973-FA83-4A14-8287-C442F2DE1C68}"/>
+                </a:ext>
+              </a:extLst>
+            </p:cNvPr>
+            <p:cNvSpPr txBox="1"/>
+            <p:nvPr/>
+          </p:nvSpPr>
+          <p:spPr>
+            <a:xfrm>
+              <a:off x="3803966" y="3941970"/>
+              <a:ext cx="4581427" cy="338554"/>
+            </a:xfrm>
+            <a:prstGeom prst="rect">
+              <a:avLst/>
+            </a:prstGeom>
+            <a:noFill/>
+          </p:spPr>
+          <p:txBody>
+            <a:bodyPr wrap="square" rtlCol="0" anchor="ctr">
+              <a:spAutoFit/>
+            </a:bodyPr>
+            <a:lstStyle/>
+            <a:p>
+              <a:pPr algn="ctr"/>
+              <a:r>
+                <a:rPr lang="en-US" altLang="ko-KR" sz="1600" dirty="0">
+                  <a:latin typeface="태나다체 " panose="02000000000000000000" pitchFamily="2" charset="-127"/>
+                  <a:ea typeface="태나다체 " panose="02000000000000000000" pitchFamily="2" charset="-127"/>
+                </a:rPr>
+                <a:t>Program Counter</a:t>
+              </a:r>
+              <a:endParaRPr lang="ko-KR" altLang="en-US" sz="1600" dirty="0">
+                <a:latin typeface="태나다체 " panose="02000000000000000000" pitchFamily="2" charset="-127"/>
+                <a:ea typeface="태나다체 " panose="02000000000000000000" pitchFamily="2" charset="-127"/>
+              </a:endParaRPr>
+            </a:p>
+          </p:txBody>
+        </p:sp>
+        <p:sp>
+          <p:nvSpPr>
+            <p:cNvPr id="40" name="TextBox 39">
+              <a:extLst>
+                <a:ext uri="{FF2B5EF4-FFF2-40B4-BE49-F238E27FC236}">
+                  <a16:creationId xmlns:a16="http://schemas.microsoft.com/office/drawing/2014/main" id="{14106BC0-B46B-450E-9803-FA5FAA110488}"/>
+                </a:ext>
+              </a:extLst>
+            </p:cNvPr>
+            <p:cNvSpPr txBox="1"/>
+            <p:nvPr/>
+          </p:nvSpPr>
+          <p:spPr>
+            <a:xfrm>
+              <a:off x="3803967" y="4708352"/>
+              <a:ext cx="4581427" cy="601253"/>
+            </a:xfrm>
+            <a:prstGeom prst="rect">
+              <a:avLst/>
+            </a:prstGeom>
+            <a:noFill/>
+          </p:spPr>
+          <p:txBody>
+            <a:bodyPr wrap="square" rtlCol="0" anchor="ctr">
+              <a:spAutoFit/>
+            </a:bodyPr>
+            <a:lstStyle/>
+            <a:p>
+              <a:pPr algn="ctr"/>
+              <a:r>
+                <a:rPr lang="en-US" altLang="ko-KR" sz="1600" dirty="0">
+                  <a:latin typeface="태나다체 " panose="02000000000000000000" pitchFamily="2" charset="-127"/>
+                  <a:ea typeface="태나다체 " panose="02000000000000000000" pitchFamily="2" charset="-127"/>
+                </a:rPr>
+                <a:t>Stack Pointer</a:t>
+              </a:r>
+              <a:endParaRPr lang="ko-KR" altLang="en-US" sz="1600" dirty="0">
+                <a:latin typeface="태나다체 " panose="02000000000000000000" pitchFamily="2" charset="-127"/>
+                <a:ea typeface="태나다체 " panose="02000000000000000000" pitchFamily="2" charset="-127"/>
+              </a:endParaRPr>
+            </a:p>
+          </p:txBody>
+        </p:sp>
+        <p:sp>
+          <p:nvSpPr>
+            <p:cNvPr id="41" name="TextBox 40">
+              <a:extLst>
+                <a:ext uri="{FF2B5EF4-FFF2-40B4-BE49-F238E27FC236}">
+                  <a16:creationId xmlns:a16="http://schemas.microsoft.com/office/drawing/2014/main" id="{54D9D74D-D8E0-4788-B05E-CD4A33B906B7}"/>
+                </a:ext>
+              </a:extLst>
+            </p:cNvPr>
+            <p:cNvSpPr txBox="1"/>
+            <p:nvPr/>
+          </p:nvSpPr>
+          <p:spPr>
+            <a:xfrm>
+              <a:off x="3803966" y="5734455"/>
+              <a:ext cx="4581427" cy="338554"/>
+            </a:xfrm>
+            <a:prstGeom prst="rect">
+              <a:avLst/>
+            </a:prstGeom>
+            <a:noFill/>
+          </p:spPr>
+          <p:txBody>
+            <a:bodyPr wrap="square" rtlCol="0" anchor="ctr">
+              <a:spAutoFit/>
+            </a:bodyPr>
+            <a:lstStyle/>
+            <a:p>
+              <a:pPr algn="ctr"/>
+              <a:r>
+                <a:rPr lang="en-US" altLang="ko-KR" sz="1600" dirty="0">
+                  <a:latin typeface="태나다체 " panose="02000000000000000000" pitchFamily="2" charset="-127"/>
+                  <a:ea typeface="태나다체 " panose="02000000000000000000" pitchFamily="2" charset="-127"/>
+                </a:rPr>
+                <a:t>…</a:t>
+              </a:r>
+              <a:endParaRPr lang="ko-KR" altLang="en-US" sz="1600" dirty="0">
+                <a:latin typeface="태나다체 " panose="02000000000000000000" pitchFamily="2" charset="-127"/>
+                <a:ea typeface="태나다체 " panose="02000000000000000000" pitchFamily="2" charset="-127"/>
+              </a:endParaRPr>
+            </a:p>
+          </p:txBody>
+        </p:sp>
+      </p:grpSp>
+    </p:spTree>
+    <p:extLst>
+      <p:ext uri="{BB962C8B-B14F-4D97-AF65-F5344CB8AC3E}">
+        <p14:creationId xmlns:p14="http://schemas.microsoft.com/office/powerpoint/2010/main" val="4204915202"/>
+      </p:ext>
+    </p:extLst>
+  </p:cSld>
+  <p:clrMapOvr>
+    <a:masterClrMapping/>
+  </p:clrMapOvr>
+</p:sld>
+</file>
+
+<file path=ppt/slides/slide3.xml><?xml version="1.0" encoding="utf-8"?>
 <p:sld xmlns:a="http://schemas.openxmlformats.org/drawingml/2006/main" xmlns:r="http://schemas.openxmlformats.org/officeDocument/2006/relationships" xmlns:p="http://schemas.openxmlformats.org/presentationml/2006/main">
   <p:cSld>
     <p:spTree>

--- a/ServerLecture/PT/3강 멀티스레딩 이론.pptx
+++ b/ServerLecture/PT/3강 멀티스레딩 이론.pptx
@@ -5,7 +5,7 @@
     <p:sldMasterId id="2147483648" r:id="rId1"/>
   </p:sldMasterIdLst>
   <p:notesMasterIdLst>
-    <p:notesMasterId r:id="rId63"/>
+    <p:notesMasterId r:id="rId62"/>
   </p:notesMasterIdLst>
   <p:sldIdLst>
     <p:sldId id="256" r:id="rId2"/>
@@ -68,7 +68,6 @@
     <p:sldId id="363" r:id="rId59"/>
     <p:sldId id="364" r:id="rId60"/>
     <p:sldId id="365" r:id="rId61"/>
-    <p:sldId id="305" r:id="rId62"/>
   </p:sldIdLst>
   <p:sldSz cx="12192000" cy="6858000"/>
   <p:notesSz cx="6858000" cy="9144000"/>
@@ -257,7 +256,7 @@
           <a:p>
             <a:fld id="{9F38EF70-A3C6-4744-A0C7-7E69F2A4CDE1}" type="datetimeFigureOut">
               <a:rPr lang="ko-KR" altLang="en-US" smtClean="0"/>
-              <a:t>2023-08-27</a:t>
+              <a:t>2023-09-02</a:t>
             </a:fld>
             <a:endParaRPr lang="ko-KR" altLang="en-US"/>
           </a:p>
@@ -524,90 +523,6 @@
 </p:notesMaster>
 </file>
 
-<file path=ppt/notesSlides/notesSlide1.xml><?xml version="1.0" encoding="utf-8"?>
-<p:notes xmlns:a="http://schemas.openxmlformats.org/drawingml/2006/main" xmlns:r="http://schemas.openxmlformats.org/officeDocument/2006/relationships" xmlns:p="http://schemas.openxmlformats.org/presentationml/2006/main">
-  <p:cSld>
-    <p:spTree>
-      <p:nvGrpSpPr>
-        <p:cNvPr id="1" name=""/>
-        <p:cNvGrpSpPr/>
-        <p:nvPr/>
-      </p:nvGrpSpPr>
-      <p:grpSpPr>
-        <a:xfrm>
-          <a:off x="0" y="0"/>
-          <a:ext cx="0" cy="0"/>
-          <a:chOff x="0" y="0"/>
-          <a:chExt cx="0" cy="0"/>
-        </a:xfrm>
-      </p:grpSpPr>
-      <p:sp>
-        <p:nvSpPr>
-          <p:cNvPr id="2" name="슬라이드 이미지 개체 틀 1"/>
-          <p:cNvSpPr>
-            <a:spLocks noGrp="1" noRot="1" noChangeAspect="1"/>
-          </p:cNvSpPr>
-          <p:nvPr>
-            <p:ph type="sldImg"/>
-          </p:nvPr>
-        </p:nvSpPr>
-        <p:spPr/>
-      </p:sp>
-      <p:sp>
-        <p:nvSpPr>
-          <p:cNvPr id="3" name="슬라이드 노트 개체 틀 2"/>
-          <p:cNvSpPr>
-            <a:spLocks noGrp="1"/>
-          </p:cNvSpPr>
-          <p:nvPr>
-            <p:ph type="body" idx="1"/>
-          </p:nvPr>
-        </p:nvSpPr>
-        <p:spPr/>
-        <p:txBody>
-          <a:bodyPr/>
-          <a:lstStyle/>
-          <a:p>
-            <a:endParaRPr lang="ko-KR" altLang="en-US" dirty="0"/>
-          </a:p>
-        </p:txBody>
-      </p:sp>
-      <p:sp>
-        <p:nvSpPr>
-          <p:cNvPr id="4" name="슬라이드 번호 개체 틀 3"/>
-          <p:cNvSpPr>
-            <a:spLocks noGrp="1"/>
-          </p:cNvSpPr>
-          <p:nvPr>
-            <p:ph type="sldNum" sz="quarter" idx="5"/>
-          </p:nvPr>
-        </p:nvSpPr>
-        <p:spPr/>
-        <p:txBody>
-          <a:bodyPr/>
-          <a:lstStyle/>
-          <a:p>
-            <a:fld id="{D8DCC404-E41A-4BC0-921C-BBFB3AB1AB4E}" type="slidenum">
-              <a:rPr lang="ko-KR" altLang="en-US" smtClean="0"/>
-              <a:t>61</a:t>
-            </a:fld>
-            <a:endParaRPr lang="ko-KR" altLang="en-US"/>
-          </a:p>
-        </p:txBody>
-      </p:sp>
-    </p:spTree>
-    <p:extLst>
-      <p:ext uri="{BB962C8B-B14F-4D97-AF65-F5344CB8AC3E}">
-        <p14:creationId xmlns:p14="http://schemas.microsoft.com/office/powerpoint/2010/main" val="2118054897"/>
-      </p:ext>
-    </p:extLst>
-  </p:cSld>
-  <p:clrMapOvr>
-    <a:masterClrMapping/>
-  </p:clrMapOvr>
-</p:notes>
-</file>
-
 <file path=ppt/slideLayouts/slideLayout1.xml><?xml version="1.0" encoding="utf-8"?>
 <p:sldLayout xmlns:a="http://schemas.openxmlformats.org/drawingml/2006/main" xmlns:r="http://schemas.openxmlformats.org/officeDocument/2006/relationships" xmlns:p="http://schemas.openxmlformats.org/presentationml/2006/main" type="title" preserve="1">
   <p:cSld name="제목 슬라이드">
@@ -755,7 +670,7 @@
           <a:p>
             <a:fld id="{F1041C39-2947-4515-B6CA-3C2FD3810A02}" type="datetimeFigureOut">
               <a:rPr lang="ko-KR" altLang="en-US" smtClean="0"/>
-              <a:t>2023-08-27</a:t>
+              <a:t>2023-09-02</a:t>
             </a:fld>
             <a:endParaRPr lang="ko-KR" altLang="en-US"/>
           </a:p>
@@ -953,7 +868,7 @@
           <a:p>
             <a:fld id="{F1041C39-2947-4515-B6CA-3C2FD3810A02}" type="datetimeFigureOut">
               <a:rPr lang="ko-KR" altLang="en-US" smtClean="0"/>
-              <a:t>2023-08-27</a:t>
+              <a:t>2023-09-02</a:t>
             </a:fld>
             <a:endParaRPr lang="ko-KR" altLang="en-US"/>
           </a:p>
@@ -1161,7 +1076,7 @@
           <a:p>
             <a:fld id="{F1041C39-2947-4515-B6CA-3C2FD3810A02}" type="datetimeFigureOut">
               <a:rPr lang="ko-KR" altLang="en-US" smtClean="0"/>
-              <a:t>2023-08-27</a:t>
+              <a:t>2023-09-02</a:t>
             </a:fld>
             <a:endParaRPr lang="ko-KR" altLang="en-US"/>
           </a:p>
@@ -1359,7 +1274,7 @@
           <a:p>
             <a:fld id="{F1041C39-2947-4515-B6CA-3C2FD3810A02}" type="datetimeFigureOut">
               <a:rPr lang="ko-KR" altLang="en-US" smtClean="0"/>
-              <a:t>2023-08-27</a:t>
+              <a:t>2023-09-02</a:t>
             </a:fld>
             <a:endParaRPr lang="ko-KR" altLang="en-US"/>
           </a:p>
@@ -1634,7 +1549,7 @@
           <a:p>
             <a:fld id="{F1041C39-2947-4515-B6CA-3C2FD3810A02}" type="datetimeFigureOut">
               <a:rPr lang="ko-KR" altLang="en-US" smtClean="0"/>
-              <a:t>2023-08-27</a:t>
+              <a:t>2023-09-02</a:t>
             </a:fld>
             <a:endParaRPr lang="ko-KR" altLang="en-US"/>
           </a:p>
@@ -1899,7 +1814,7 @@
           <a:p>
             <a:fld id="{F1041C39-2947-4515-B6CA-3C2FD3810A02}" type="datetimeFigureOut">
               <a:rPr lang="ko-KR" altLang="en-US" smtClean="0"/>
-              <a:t>2023-08-27</a:t>
+              <a:t>2023-09-02</a:t>
             </a:fld>
             <a:endParaRPr lang="ko-KR" altLang="en-US"/>
           </a:p>
@@ -2311,7 +2226,7 @@
           <a:p>
             <a:fld id="{F1041C39-2947-4515-B6CA-3C2FD3810A02}" type="datetimeFigureOut">
               <a:rPr lang="ko-KR" altLang="en-US" smtClean="0"/>
-              <a:t>2023-08-27</a:t>
+              <a:t>2023-09-02</a:t>
             </a:fld>
             <a:endParaRPr lang="ko-KR" altLang="en-US"/>
           </a:p>
@@ -2452,7 +2367,7 @@
           <a:p>
             <a:fld id="{F1041C39-2947-4515-B6CA-3C2FD3810A02}" type="datetimeFigureOut">
               <a:rPr lang="ko-KR" altLang="en-US" smtClean="0"/>
-              <a:t>2023-08-27</a:t>
+              <a:t>2023-09-02</a:t>
             </a:fld>
             <a:endParaRPr lang="ko-KR" altLang="en-US"/>
           </a:p>
@@ -2565,7 +2480,7 @@
           <a:p>
             <a:fld id="{F1041C39-2947-4515-B6CA-3C2FD3810A02}" type="datetimeFigureOut">
               <a:rPr lang="ko-KR" altLang="en-US" smtClean="0"/>
-              <a:t>2023-08-27</a:t>
+              <a:t>2023-09-02</a:t>
             </a:fld>
             <a:endParaRPr lang="ko-KR" altLang="en-US"/>
           </a:p>
@@ -2876,7 +2791,7 @@
           <a:p>
             <a:fld id="{F1041C39-2947-4515-B6CA-3C2FD3810A02}" type="datetimeFigureOut">
               <a:rPr lang="ko-KR" altLang="en-US" smtClean="0"/>
-              <a:t>2023-08-27</a:t>
+              <a:t>2023-09-02</a:t>
             </a:fld>
             <a:endParaRPr lang="ko-KR" altLang="en-US"/>
           </a:p>
@@ -3164,7 +3079,7 @@
           <a:p>
             <a:fld id="{F1041C39-2947-4515-B6CA-3C2FD3810A02}" type="datetimeFigureOut">
               <a:rPr lang="ko-KR" altLang="en-US" smtClean="0"/>
-              <a:t>2023-08-27</a:t>
+              <a:t>2023-09-02</a:t>
             </a:fld>
             <a:endParaRPr lang="ko-KR" altLang="en-US"/>
           </a:p>
@@ -3405,7 +3320,7 @@
           <a:p>
             <a:fld id="{F1041C39-2947-4515-B6CA-3C2FD3810A02}" type="datetimeFigureOut">
               <a:rPr lang="ko-KR" altLang="en-US" smtClean="0"/>
-              <a:t>2023-08-27</a:t>
+              <a:t>2023-09-02</a:t>
             </a:fld>
             <a:endParaRPr lang="ko-KR" altLang="en-US"/>
           </a:p>
@@ -24747,373 +24662,6 @@
     <p:extLst>
       <p:ext uri="{BB962C8B-B14F-4D97-AF65-F5344CB8AC3E}">
         <p14:creationId xmlns:p14="http://schemas.microsoft.com/office/powerpoint/2010/main" val="1623976669"/>
-      </p:ext>
-    </p:extLst>
-  </p:cSld>
-  <p:clrMapOvr>
-    <a:masterClrMapping/>
-  </p:clrMapOvr>
-</p:sld>
-</file>
-
-<file path=ppt/slides/slide61.xml><?xml version="1.0" encoding="utf-8"?>
-<p:sld xmlns:a="http://schemas.openxmlformats.org/drawingml/2006/main" xmlns:r="http://schemas.openxmlformats.org/officeDocument/2006/relationships" xmlns:p="http://schemas.openxmlformats.org/presentationml/2006/main">
-  <p:cSld>
-    <p:spTree>
-      <p:nvGrpSpPr>
-        <p:cNvPr id="1" name=""/>
-        <p:cNvGrpSpPr/>
-        <p:nvPr/>
-      </p:nvGrpSpPr>
-      <p:grpSpPr>
-        <a:xfrm>
-          <a:off x="0" y="0"/>
-          <a:ext cx="0" cy="0"/>
-          <a:chOff x="0" y="0"/>
-          <a:chExt cx="0" cy="0"/>
-        </a:xfrm>
-      </p:grpSpPr>
-      <p:sp>
-        <p:nvSpPr>
-          <p:cNvPr id="16" name="직사각형 15">
-            <a:extLst>
-              <a:ext uri="{FF2B5EF4-FFF2-40B4-BE49-F238E27FC236}">
-                <a16:creationId xmlns:a16="http://schemas.microsoft.com/office/drawing/2014/main" id="{B89DD7D4-9ED1-4D39-BC0C-EA5A5B8B6EF9}"/>
-              </a:ext>
-            </a:extLst>
-          </p:cNvPr>
-          <p:cNvSpPr/>
-          <p:nvPr/>
-        </p:nvSpPr>
-        <p:spPr>
-          <a:xfrm>
-            <a:off x="188540" y="197967"/>
-            <a:ext cx="12192000" cy="6858000"/>
-          </a:xfrm>
-          <a:prstGeom prst="rect">
-            <a:avLst/>
-          </a:prstGeom>
-          <a:solidFill>
-            <a:schemeClr val="tx1">
-              <a:alpha val="65000"/>
-            </a:schemeClr>
-          </a:solidFill>
-          <a:ln>
-            <a:solidFill>
-              <a:schemeClr val="tx1"/>
-            </a:solidFill>
-          </a:ln>
-        </p:spPr>
-        <p:style>
-          <a:lnRef idx="2">
-            <a:schemeClr val="accent1">
-              <a:shade val="50000"/>
-            </a:schemeClr>
-          </a:lnRef>
-          <a:fillRef idx="1">
-            <a:schemeClr val="accent1"/>
-          </a:fillRef>
-          <a:effectRef idx="0">
-            <a:schemeClr val="accent1"/>
-          </a:effectRef>
-          <a:fontRef idx="minor">
-            <a:schemeClr val="lt1"/>
-          </a:fontRef>
-        </p:style>
-        <p:txBody>
-          <a:bodyPr rtlCol="0" anchor="ctr"/>
-          <a:lstStyle/>
-          <a:p>
-            <a:pPr algn="ctr"/>
-            <a:endParaRPr lang="ko-KR" altLang="en-US" sz="1600" dirty="0"/>
-          </a:p>
-        </p:txBody>
-      </p:sp>
-      <p:sp>
-        <p:nvSpPr>
-          <p:cNvPr id="4" name="직사각형 3">
-            <a:extLst>
-              <a:ext uri="{FF2B5EF4-FFF2-40B4-BE49-F238E27FC236}">
-                <a16:creationId xmlns:a16="http://schemas.microsoft.com/office/drawing/2014/main" id="{CA35C8A5-4B03-43E5-B493-90F4E795A7AE}"/>
-              </a:ext>
-            </a:extLst>
-          </p:cNvPr>
-          <p:cNvSpPr/>
-          <p:nvPr/>
-        </p:nvSpPr>
-        <p:spPr>
-          <a:xfrm>
-            <a:off x="0" y="339365"/>
-            <a:ext cx="3619893" cy="1221117"/>
-          </a:xfrm>
-          <a:prstGeom prst="rect">
-            <a:avLst/>
-          </a:prstGeom>
-          <a:solidFill>
-            <a:schemeClr val="tx1"/>
-          </a:solidFill>
-          <a:ln>
-            <a:solidFill>
-              <a:schemeClr val="tx1"/>
-            </a:solidFill>
-          </a:ln>
-        </p:spPr>
-        <p:style>
-          <a:lnRef idx="2">
-            <a:schemeClr val="accent1">
-              <a:shade val="50000"/>
-            </a:schemeClr>
-          </a:lnRef>
-          <a:fillRef idx="1">
-            <a:schemeClr val="accent1"/>
-          </a:fillRef>
-          <a:effectRef idx="0">
-            <a:schemeClr val="accent1"/>
-          </a:effectRef>
-          <a:fontRef idx="minor">
-            <a:schemeClr val="lt1"/>
-          </a:fontRef>
-        </p:style>
-        <p:txBody>
-          <a:bodyPr rtlCol="0" anchor="ctr"/>
-          <a:lstStyle/>
-          <a:p>
-            <a:pPr algn="ctr"/>
-            <a:r>
-              <a:rPr lang="en-US" altLang="ko-KR" sz="4400" dirty="0">
-                <a:solidFill>
-                  <a:schemeClr val="bg1"/>
-                </a:solidFill>
-                <a:latin typeface="태나다체 " panose="02000000000000000000" pitchFamily="2" charset="-127"/>
-                <a:ea typeface="태나다체 " panose="02000000000000000000" pitchFamily="2" charset="-127"/>
-              </a:rPr>
-              <a:t>title</a:t>
-            </a:r>
-            <a:endParaRPr lang="ko-KR" altLang="en-US" sz="4400" dirty="0">
-              <a:solidFill>
-                <a:schemeClr val="bg1"/>
-              </a:solidFill>
-              <a:latin typeface="태나다체 " panose="02000000000000000000" pitchFamily="2" charset="-127"/>
-              <a:ea typeface="태나다체 " panose="02000000000000000000" pitchFamily="2" charset="-127"/>
-            </a:endParaRPr>
-          </a:p>
-        </p:txBody>
-      </p:sp>
-      <p:sp>
-        <p:nvSpPr>
-          <p:cNvPr id="11" name="직사각형 10">
-            <a:extLst>
-              <a:ext uri="{FF2B5EF4-FFF2-40B4-BE49-F238E27FC236}">
-                <a16:creationId xmlns:a16="http://schemas.microsoft.com/office/drawing/2014/main" id="{6C22D0AA-FCE8-49A4-888D-F1CCB0BBB1BD}"/>
-              </a:ext>
-            </a:extLst>
-          </p:cNvPr>
-          <p:cNvSpPr/>
-          <p:nvPr/>
-        </p:nvSpPr>
-        <p:spPr>
-          <a:xfrm>
-            <a:off x="0" y="2582771"/>
-            <a:ext cx="12192000" cy="1692458"/>
-          </a:xfrm>
-          <a:prstGeom prst="rect">
-            <a:avLst/>
-          </a:prstGeom>
-          <a:solidFill>
-            <a:schemeClr val="tx1"/>
-          </a:solidFill>
-          <a:ln>
-            <a:solidFill>
-              <a:schemeClr val="tx1"/>
-            </a:solidFill>
-          </a:ln>
-        </p:spPr>
-        <p:style>
-          <a:lnRef idx="2">
-            <a:schemeClr val="accent1">
-              <a:shade val="50000"/>
-            </a:schemeClr>
-          </a:lnRef>
-          <a:fillRef idx="1">
-            <a:schemeClr val="accent1"/>
-          </a:fillRef>
-          <a:effectRef idx="0">
-            <a:schemeClr val="accent1"/>
-          </a:effectRef>
-          <a:fontRef idx="minor">
-            <a:schemeClr val="lt1"/>
-          </a:fontRef>
-        </p:style>
-        <p:txBody>
-          <a:bodyPr rtlCol="0" anchor="ctr"/>
-          <a:lstStyle>
-            <a:defPPr>
-              <a:defRPr lang="ko-KR"/>
-            </a:defPPr>
-            <a:lvl1pPr marL="0" algn="l" defTabSz="914400" rtl="0" eaLnBrk="1" latinLnBrk="1" hangingPunct="1">
-              <a:defRPr sz="1800" kern="1200">
-                <a:solidFill>
-                  <a:schemeClr val="lt1"/>
-                </a:solidFill>
-                <a:latin typeface="+mn-lt"/>
-                <a:ea typeface="+mn-ea"/>
-                <a:cs typeface="+mn-cs"/>
-              </a:defRPr>
-            </a:lvl1pPr>
-            <a:lvl2pPr marL="457200" algn="l" defTabSz="914400" rtl="0" eaLnBrk="1" latinLnBrk="1" hangingPunct="1">
-              <a:defRPr sz="1800" kern="1200">
-                <a:solidFill>
-                  <a:schemeClr val="lt1"/>
-                </a:solidFill>
-                <a:latin typeface="+mn-lt"/>
-                <a:ea typeface="+mn-ea"/>
-                <a:cs typeface="+mn-cs"/>
-              </a:defRPr>
-            </a:lvl2pPr>
-            <a:lvl3pPr marL="914400" algn="l" defTabSz="914400" rtl="0" eaLnBrk="1" latinLnBrk="1" hangingPunct="1">
-              <a:defRPr sz="1800" kern="1200">
-                <a:solidFill>
-                  <a:schemeClr val="lt1"/>
-                </a:solidFill>
-                <a:latin typeface="+mn-lt"/>
-                <a:ea typeface="+mn-ea"/>
-                <a:cs typeface="+mn-cs"/>
-              </a:defRPr>
-            </a:lvl3pPr>
-            <a:lvl4pPr marL="1371600" algn="l" defTabSz="914400" rtl="0" eaLnBrk="1" latinLnBrk="1" hangingPunct="1">
-              <a:defRPr sz="1800" kern="1200">
-                <a:solidFill>
-                  <a:schemeClr val="lt1"/>
-                </a:solidFill>
-                <a:latin typeface="+mn-lt"/>
-                <a:ea typeface="+mn-ea"/>
-                <a:cs typeface="+mn-cs"/>
-              </a:defRPr>
-            </a:lvl4pPr>
-            <a:lvl5pPr marL="1828800" algn="l" defTabSz="914400" rtl="0" eaLnBrk="1" latinLnBrk="1" hangingPunct="1">
-              <a:defRPr sz="1800" kern="1200">
-                <a:solidFill>
-                  <a:schemeClr val="lt1"/>
-                </a:solidFill>
-                <a:latin typeface="+mn-lt"/>
-                <a:ea typeface="+mn-ea"/>
-                <a:cs typeface="+mn-cs"/>
-              </a:defRPr>
-            </a:lvl5pPr>
-            <a:lvl6pPr marL="2286000" algn="l" defTabSz="914400" rtl="0" eaLnBrk="1" latinLnBrk="1" hangingPunct="1">
-              <a:defRPr sz="1800" kern="1200">
-                <a:solidFill>
-                  <a:schemeClr val="lt1"/>
-                </a:solidFill>
-                <a:latin typeface="+mn-lt"/>
-                <a:ea typeface="+mn-ea"/>
-                <a:cs typeface="+mn-cs"/>
-              </a:defRPr>
-            </a:lvl6pPr>
-            <a:lvl7pPr marL="2743200" algn="l" defTabSz="914400" rtl="0" eaLnBrk="1" latinLnBrk="1" hangingPunct="1">
-              <a:defRPr sz="1800" kern="1200">
-                <a:solidFill>
-                  <a:schemeClr val="lt1"/>
-                </a:solidFill>
-                <a:latin typeface="+mn-lt"/>
-                <a:ea typeface="+mn-ea"/>
-                <a:cs typeface="+mn-cs"/>
-              </a:defRPr>
-            </a:lvl7pPr>
-            <a:lvl8pPr marL="3200400" algn="l" defTabSz="914400" rtl="0" eaLnBrk="1" latinLnBrk="1" hangingPunct="1">
-              <a:defRPr sz="1800" kern="1200">
-                <a:solidFill>
-                  <a:schemeClr val="lt1"/>
-                </a:solidFill>
-                <a:latin typeface="+mn-lt"/>
-                <a:ea typeface="+mn-ea"/>
-                <a:cs typeface="+mn-cs"/>
-              </a:defRPr>
-            </a:lvl8pPr>
-            <a:lvl9pPr marL="3657600" algn="l" defTabSz="914400" rtl="0" eaLnBrk="1" latinLnBrk="1" hangingPunct="1">
-              <a:defRPr sz="1800" kern="1200">
-                <a:solidFill>
-                  <a:schemeClr val="lt1"/>
-                </a:solidFill>
-                <a:latin typeface="+mn-lt"/>
-                <a:ea typeface="+mn-ea"/>
-                <a:cs typeface="+mn-cs"/>
-              </a:defRPr>
-            </a:lvl9pPr>
-          </a:lstStyle>
-          <a:p>
-            <a:pPr algn="ctr"/>
-            <a:r>
-              <a:rPr lang="en-US" altLang="ko-KR" sz="4800" dirty="0">
-                <a:solidFill>
-                  <a:schemeClr val="bg1"/>
-                </a:solidFill>
-                <a:latin typeface="태나다체 " panose="02000000000000000000" pitchFamily="2" charset="-127"/>
-                <a:ea typeface="태나다체 " panose="02000000000000000000" pitchFamily="2" charset="-127"/>
-              </a:rPr>
-              <a:t>embed</a:t>
-            </a:r>
-            <a:endParaRPr lang="ko-KR" altLang="en-US" sz="4800" dirty="0">
-              <a:solidFill>
-                <a:schemeClr val="bg1"/>
-              </a:solidFill>
-              <a:latin typeface="태나다체 " panose="02000000000000000000" pitchFamily="2" charset="-127"/>
-              <a:ea typeface="태나다체 " panose="02000000000000000000" pitchFamily="2" charset="-127"/>
-            </a:endParaRPr>
-          </a:p>
-        </p:txBody>
-      </p:sp>
-      <p:sp>
-        <p:nvSpPr>
-          <p:cNvPr id="17" name="직사각형 16">
-            <a:extLst>
-              <a:ext uri="{FF2B5EF4-FFF2-40B4-BE49-F238E27FC236}">
-                <a16:creationId xmlns:a16="http://schemas.microsoft.com/office/drawing/2014/main" id="{6421B016-1033-4C6F-947D-8DF71B6D0E2F}"/>
-              </a:ext>
-            </a:extLst>
-          </p:cNvPr>
-          <p:cNvSpPr/>
-          <p:nvPr/>
-        </p:nvSpPr>
-        <p:spPr>
-          <a:xfrm>
-            <a:off x="4822927" y="1098817"/>
-            <a:ext cx="2546146" cy="923330"/>
-          </a:xfrm>
-          <a:prstGeom prst="rect">
-            <a:avLst/>
-          </a:prstGeom>
-        </p:spPr>
-        <p:txBody>
-          <a:bodyPr wrap="none">
-            <a:spAutoFit/>
-          </a:bodyPr>
-          <a:lstStyle/>
-          <a:p>
-            <a:r>
-              <a:rPr lang="en-US" altLang="ko-KR" sz="5400" dirty="0">
-                <a:solidFill>
-                  <a:schemeClr val="bg1"/>
-                </a:solidFill>
-                <a:latin typeface="배달의민족 주아" panose="02020603020101020101" pitchFamily="18" charset="-127"/>
-                <a:ea typeface="배달의민족 주아" panose="02020603020101020101" pitchFamily="18" charset="-127"/>
-              </a:rPr>
-              <a:t>content</a:t>
-            </a:r>
-            <a:endParaRPr lang="ko-KR" altLang="en-US" sz="5400" dirty="0">
-              <a:solidFill>
-                <a:schemeClr val="bg1"/>
-              </a:solidFill>
-              <a:latin typeface="배달의민족 주아" panose="02020603020101020101" pitchFamily="18" charset="-127"/>
-              <a:ea typeface="배달의민족 주아" panose="02020603020101020101" pitchFamily="18" charset="-127"/>
-            </a:endParaRPr>
-          </a:p>
-        </p:txBody>
-      </p:sp>
-    </p:spTree>
-    <p:extLst>
-      <p:ext uri="{BB962C8B-B14F-4D97-AF65-F5344CB8AC3E}">
-        <p14:creationId xmlns:p14="http://schemas.microsoft.com/office/powerpoint/2010/main" val="1057666607"/>
       </p:ext>
     </p:extLst>
   </p:cSld>

--- a/ServerLecture/PT/3강 멀티스레딩 이론.pptx
+++ b/ServerLecture/PT/3강 멀티스레딩 이론.pptx
@@ -18052,7 +18052,7 @@
                 <a:latin typeface="태나다체 " panose="02000000000000000000" pitchFamily="2" charset="-127"/>
                 <a:ea typeface="태나다체 " panose="02000000000000000000" pitchFamily="2" charset="-127"/>
               </a:rPr>
-              <a:t>프로세스 제어 블록</a:t>
+              <a:t>스레드 제어 블록</a:t>
             </a:r>
             <a:endParaRPr lang="en-US" altLang="ko-KR" sz="2000" dirty="0">
               <a:solidFill>
@@ -18072,7 +18072,7 @@
                 <a:latin typeface="태나다체 " panose="02000000000000000000" pitchFamily="2" charset="-127"/>
                 <a:ea typeface="태나다체 " panose="02000000000000000000" pitchFamily="2" charset="-127"/>
               </a:rPr>
-              <a:t>( Process Control Block )</a:t>
+              <a:t>(Thread Control Block )</a:t>
             </a:r>
             <a:endParaRPr lang="ko-KR" altLang="en-US" sz="2000" dirty="0">
               <a:solidFill>
@@ -18167,10 +18167,484 @@
       </p:grpSpPr>
       <p:sp>
         <p:nvSpPr>
-          <p:cNvPr id="5" name="직사각형 4">
-            <a:extLst>
-              <a:ext uri="{FF2B5EF4-FFF2-40B4-BE49-F238E27FC236}">
-                <a16:creationId xmlns:a16="http://schemas.microsoft.com/office/drawing/2014/main" id="{691A83B7-DA91-45B7-AAA2-68812ED02481}"/>
+          <p:cNvPr id="10" name="직사각형 9">
+            <a:extLst>
+              <a:ext uri="{FF2B5EF4-FFF2-40B4-BE49-F238E27FC236}">
+                <a16:creationId xmlns:a16="http://schemas.microsoft.com/office/drawing/2014/main" id="{D7FC13F9-53F7-4DDD-9518-EC9F9A372F27}"/>
+              </a:ext>
+            </a:extLst>
+          </p:cNvPr>
+          <p:cNvSpPr/>
+          <p:nvPr/>
+        </p:nvSpPr>
+        <p:spPr>
+          <a:xfrm>
+            <a:off x="436880" y="2351425"/>
+            <a:ext cx="5850818" cy="3847207"/>
+          </a:xfrm>
+          <a:prstGeom prst="rect">
+            <a:avLst/>
+          </a:prstGeom>
+        </p:spPr>
+        <p:txBody>
+          <a:bodyPr wrap="square">
+            <a:spAutoFit/>
+          </a:bodyPr>
+          <a:lstStyle/>
+          <a:p>
+            <a:pPr marL="742950" indent="-742950">
+              <a:buFont typeface="+mj-lt"/>
+              <a:buAutoNum type="arabicPeriod"/>
+            </a:pPr>
+            <a:r>
+              <a:rPr lang="en-US" altLang="ko-KR" sz="2800" dirty="0">
+                <a:latin typeface="배달의민족 주아" panose="02020603020101020101" pitchFamily="18" charset="-127"/>
+                <a:ea typeface="배달의민족 주아" panose="02020603020101020101" pitchFamily="18" charset="-127"/>
+              </a:rPr>
+              <a:t>Thread ID (TID)</a:t>
+            </a:r>
+          </a:p>
+          <a:p>
+            <a:pPr marL="800100" lvl="1" indent="-342900">
+              <a:buFontTx/>
+              <a:buChar char="-"/>
+            </a:pPr>
+            <a:r>
+              <a:rPr lang="ko-KR" altLang="en-US" sz="2000" dirty="0">
+                <a:latin typeface="배달의민족 주아" panose="02020603020101020101" pitchFamily="18" charset="-127"/>
+                <a:ea typeface="배달의민족 주아" panose="02020603020101020101" pitchFamily="18" charset="-127"/>
+              </a:rPr>
+              <a:t>스레드 </a:t>
+            </a:r>
+            <a:r>
+              <a:rPr lang="en-US" altLang="ko-KR" sz="2000" dirty="0">
+                <a:latin typeface="배달의민족 주아" panose="02020603020101020101" pitchFamily="18" charset="-127"/>
+                <a:ea typeface="배달의민족 주아" panose="02020603020101020101" pitchFamily="18" charset="-127"/>
+              </a:rPr>
+              <a:t>ID</a:t>
+            </a:r>
+          </a:p>
+          <a:p>
+            <a:pPr marL="800100" lvl="1" indent="-342900">
+              <a:buFontTx/>
+              <a:buChar char="-"/>
+            </a:pPr>
+            <a:r>
+              <a:rPr lang="ko-KR" altLang="en-US" sz="2000" dirty="0">
+                <a:latin typeface="배달의민족 주아" panose="02020603020101020101" pitchFamily="18" charset="-127"/>
+                <a:ea typeface="배달의민족 주아" panose="02020603020101020101" pitchFamily="18" charset="-127"/>
+              </a:rPr>
+              <a:t>스레드를 식별하기 위한 고유 번호</a:t>
+            </a:r>
+            <a:endParaRPr lang="en-US" altLang="ko-KR" sz="2000" dirty="0">
+              <a:latin typeface="배달의민족 주아" panose="02020603020101020101" pitchFamily="18" charset="-127"/>
+              <a:ea typeface="배달의민족 주아" panose="02020603020101020101" pitchFamily="18" charset="-127"/>
+            </a:endParaRPr>
+          </a:p>
+          <a:p>
+            <a:pPr lvl="1"/>
+            <a:endParaRPr lang="en-US" altLang="ko-KR" sz="2000" dirty="0">
+              <a:latin typeface="배달의민족 주아" panose="02020603020101020101" pitchFamily="18" charset="-127"/>
+              <a:ea typeface="배달의민족 주아" panose="02020603020101020101" pitchFamily="18" charset="-127"/>
+            </a:endParaRPr>
+          </a:p>
+          <a:p>
+            <a:pPr marL="742950" indent="-742950">
+              <a:buFont typeface="+mj-lt"/>
+              <a:buAutoNum type="arabicPeriod"/>
+            </a:pPr>
+            <a:r>
+              <a:rPr lang="en-US" altLang="ko-KR" sz="2800" dirty="0">
+                <a:latin typeface="배달의민족 주아" panose="02020603020101020101" pitchFamily="18" charset="-127"/>
+                <a:ea typeface="배달의민족 주아" panose="02020603020101020101" pitchFamily="18" charset="-127"/>
+              </a:rPr>
+              <a:t>Thread State</a:t>
+            </a:r>
+          </a:p>
+          <a:p>
+            <a:pPr marL="800100" lvl="1" indent="-342900">
+              <a:buFontTx/>
+              <a:buChar char="-"/>
+            </a:pPr>
+            <a:r>
+              <a:rPr lang="ko-KR" altLang="en-US" sz="2000" dirty="0">
+                <a:latin typeface="배달의민족 주아" panose="02020603020101020101" pitchFamily="18" charset="-127"/>
+                <a:ea typeface="배달의민족 주아" panose="02020603020101020101" pitchFamily="18" charset="-127"/>
+              </a:rPr>
+              <a:t>스레드 상태</a:t>
+            </a:r>
+            <a:endParaRPr lang="en-US" altLang="ko-KR" sz="2000" dirty="0">
+              <a:latin typeface="배달의민족 주아" panose="02020603020101020101" pitchFamily="18" charset="-127"/>
+              <a:ea typeface="배달의민족 주아" panose="02020603020101020101" pitchFamily="18" charset="-127"/>
+            </a:endParaRPr>
+          </a:p>
+          <a:p>
+            <a:pPr marL="800100" lvl="1" indent="-342900">
+              <a:buFontTx/>
+              <a:buChar char="-"/>
+            </a:pPr>
+            <a:r>
+              <a:rPr lang="ko-KR" altLang="en-US" sz="2000" dirty="0" err="1">
+                <a:latin typeface="배달의민족 주아" panose="02020603020101020101" pitchFamily="18" charset="-127"/>
+                <a:ea typeface="배달의민족 주아" panose="02020603020101020101" pitchFamily="18" charset="-127"/>
+              </a:rPr>
+              <a:t>실행중</a:t>
+            </a:r>
+            <a:r>
+              <a:rPr lang="en-US" altLang="ko-KR" sz="2000" dirty="0">
+                <a:latin typeface="배달의민족 주아" panose="02020603020101020101" pitchFamily="18" charset="-127"/>
+                <a:ea typeface="배달의민족 주아" panose="02020603020101020101" pitchFamily="18" charset="-127"/>
+              </a:rPr>
+              <a:t>, </a:t>
+            </a:r>
+            <a:r>
+              <a:rPr lang="ko-KR" altLang="en-US" sz="2000" dirty="0">
+                <a:latin typeface="배달의민족 주아" panose="02020603020101020101" pitchFamily="18" charset="-127"/>
+                <a:ea typeface="배달의민족 주아" panose="02020603020101020101" pitchFamily="18" charset="-127"/>
+              </a:rPr>
+              <a:t>준비</a:t>
+            </a:r>
+            <a:r>
+              <a:rPr lang="en-US" altLang="ko-KR" sz="2000" dirty="0">
+                <a:latin typeface="배달의민족 주아" panose="02020603020101020101" pitchFamily="18" charset="-127"/>
+                <a:ea typeface="배달의민족 주아" panose="02020603020101020101" pitchFamily="18" charset="-127"/>
+              </a:rPr>
+              <a:t>, </a:t>
+            </a:r>
+            <a:r>
+              <a:rPr lang="ko-KR" altLang="en-US" sz="2000" dirty="0">
+                <a:latin typeface="배달의민족 주아" panose="02020603020101020101" pitchFamily="18" charset="-127"/>
+                <a:ea typeface="배달의민족 주아" panose="02020603020101020101" pitchFamily="18" charset="-127"/>
+              </a:rPr>
+              <a:t>대기</a:t>
+            </a:r>
+            <a:r>
+              <a:rPr lang="en-US" altLang="ko-KR" sz="2000" dirty="0">
+                <a:latin typeface="배달의민족 주아" panose="02020603020101020101" pitchFamily="18" charset="-127"/>
+                <a:ea typeface="배달의민족 주아" panose="02020603020101020101" pitchFamily="18" charset="-127"/>
+              </a:rPr>
+              <a:t>, </a:t>
+            </a:r>
+            <a:r>
+              <a:rPr lang="ko-KR" altLang="en-US" sz="2000" dirty="0">
+                <a:latin typeface="배달의민족 주아" panose="02020603020101020101" pitchFamily="18" charset="-127"/>
+                <a:ea typeface="배달의민족 주아" panose="02020603020101020101" pitchFamily="18" charset="-127"/>
+              </a:rPr>
+              <a:t>시작</a:t>
+            </a:r>
+            <a:r>
+              <a:rPr lang="en-US" altLang="ko-KR" sz="2000" dirty="0">
+                <a:latin typeface="배달의민족 주아" panose="02020603020101020101" pitchFamily="18" charset="-127"/>
+                <a:ea typeface="배달의민족 주아" panose="02020603020101020101" pitchFamily="18" charset="-127"/>
+              </a:rPr>
+              <a:t>, </a:t>
+            </a:r>
+            <a:r>
+              <a:rPr lang="ko-KR" altLang="en-US" sz="2000" dirty="0">
+                <a:latin typeface="배달의민족 주아" panose="02020603020101020101" pitchFamily="18" charset="-127"/>
+                <a:ea typeface="배달의민족 주아" panose="02020603020101020101" pitchFamily="18" charset="-127"/>
+              </a:rPr>
+              <a:t>종료 와 같은 상태 정보</a:t>
+            </a:r>
+            <a:endParaRPr lang="en-US" altLang="ko-KR" sz="2000" dirty="0">
+              <a:latin typeface="배달의민족 주아" panose="02020603020101020101" pitchFamily="18" charset="-127"/>
+              <a:ea typeface="배달의민족 주아" panose="02020603020101020101" pitchFamily="18" charset="-127"/>
+            </a:endParaRPr>
+          </a:p>
+          <a:p>
+            <a:pPr lvl="1"/>
+            <a:endParaRPr lang="en-US" altLang="ko-KR" sz="2000" dirty="0">
+              <a:latin typeface="배달의민족 주아" panose="02020603020101020101" pitchFamily="18" charset="-127"/>
+              <a:ea typeface="배달의민족 주아" panose="02020603020101020101" pitchFamily="18" charset="-127"/>
+            </a:endParaRPr>
+          </a:p>
+          <a:p>
+            <a:pPr marL="742950" indent="-742950">
+              <a:buFont typeface="+mj-lt"/>
+              <a:buAutoNum type="arabicPeriod"/>
+            </a:pPr>
+            <a:r>
+              <a:rPr lang="en-US" altLang="ko-KR" sz="2800" dirty="0">
+                <a:latin typeface="배달의민족 주아" panose="02020603020101020101" pitchFamily="18" charset="-127"/>
+                <a:ea typeface="배달의민족 주아" panose="02020603020101020101" pitchFamily="18" charset="-127"/>
+              </a:rPr>
+              <a:t>Program Counter</a:t>
+            </a:r>
+          </a:p>
+          <a:p>
+            <a:pPr marL="800100" lvl="1" indent="-342900">
+              <a:buFontTx/>
+              <a:buChar char="-"/>
+            </a:pPr>
+            <a:r>
+              <a:rPr lang="ko-KR" altLang="en-US" sz="2000" dirty="0">
+                <a:latin typeface="배달의민족 주아" panose="02020603020101020101" pitchFamily="18" charset="-127"/>
+                <a:ea typeface="배달의민족 주아" panose="02020603020101020101" pitchFamily="18" charset="-127"/>
+              </a:rPr>
+              <a:t>프로그램 계수기</a:t>
+            </a:r>
+            <a:endParaRPr lang="en-US" altLang="ko-KR" sz="2000" dirty="0">
+              <a:latin typeface="배달의민족 주아" panose="02020603020101020101" pitchFamily="18" charset="-127"/>
+              <a:ea typeface="배달의민족 주아" panose="02020603020101020101" pitchFamily="18" charset="-127"/>
+            </a:endParaRPr>
+          </a:p>
+          <a:p>
+            <a:pPr marL="800100" lvl="1" indent="-342900">
+              <a:buFontTx/>
+              <a:buChar char="-"/>
+            </a:pPr>
+            <a:r>
+              <a:rPr lang="ko-KR" altLang="en-US" sz="2000" dirty="0">
+                <a:latin typeface="배달의민족 주아" panose="02020603020101020101" pitchFamily="18" charset="-127"/>
+                <a:ea typeface="배달의민족 주아" panose="02020603020101020101" pitchFamily="18" charset="-127"/>
+              </a:rPr>
+              <a:t>현재 실행될 명령의 주소</a:t>
+            </a:r>
+            <a:endParaRPr lang="en-US" altLang="ko-KR" sz="2000" dirty="0">
+              <a:latin typeface="배달의민족 주아" panose="02020603020101020101" pitchFamily="18" charset="-127"/>
+              <a:ea typeface="배달의민족 주아" panose="02020603020101020101" pitchFamily="18" charset="-127"/>
+            </a:endParaRPr>
+          </a:p>
+        </p:txBody>
+      </p:sp>
+      <p:sp>
+        <p:nvSpPr>
+          <p:cNvPr id="7" name="직사각형 6">
+            <a:extLst>
+              <a:ext uri="{FF2B5EF4-FFF2-40B4-BE49-F238E27FC236}">
+                <a16:creationId xmlns:a16="http://schemas.microsoft.com/office/drawing/2014/main" id="{13AB674E-8C4D-4DDC-A17B-5E5CF42ADCA2}"/>
+              </a:ext>
+            </a:extLst>
+          </p:cNvPr>
+          <p:cNvSpPr/>
+          <p:nvPr/>
+        </p:nvSpPr>
+        <p:spPr>
+          <a:xfrm>
+            <a:off x="5027611" y="421025"/>
+            <a:ext cx="6824836" cy="4093428"/>
+          </a:xfrm>
+          <a:prstGeom prst="rect">
+            <a:avLst/>
+          </a:prstGeom>
+        </p:spPr>
+        <p:txBody>
+          <a:bodyPr wrap="square">
+            <a:spAutoFit/>
+          </a:bodyPr>
+          <a:lstStyle/>
+          <a:p>
+            <a:pPr marL="742950" indent="-742950">
+              <a:buFont typeface="+mj-lt"/>
+              <a:buAutoNum type="arabicPeriod" startAt="4"/>
+            </a:pPr>
+            <a:r>
+              <a:rPr lang="en-US" altLang="ko-KR" sz="2800" dirty="0">
+                <a:latin typeface="배달의민족 주아" panose="02020603020101020101" pitchFamily="18" charset="-127"/>
+                <a:ea typeface="배달의민족 주아" panose="02020603020101020101" pitchFamily="18" charset="-127"/>
+              </a:rPr>
+              <a:t>Register</a:t>
+            </a:r>
+            <a:r>
+              <a:rPr lang="ko-KR" altLang="en-US" sz="2800" dirty="0">
+                <a:latin typeface="배달의민족 주아" panose="02020603020101020101" pitchFamily="18" charset="-127"/>
+                <a:ea typeface="배달의민족 주아" panose="02020603020101020101" pitchFamily="18" charset="-127"/>
+              </a:rPr>
+              <a:t> </a:t>
+            </a:r>
+            <a:r>
+              <a:rPr lang="en-US" altLang="ko-KR" sz="2800" dirty="0">
+                <a:latin typeface="배달의민족 주아" panose="02020603020101020101" pitchFamily="18" charset="-127"/>
+                <a:ea typeface="배달의민족 주아" panose="02020603020101020101" pitchFamily="18" charset="-127"/>
+              </a:rPr>
+              <a:t>Information</a:t>
+            </a:r>
+          </a:p>
+          <a:p>
+            <a:pPr marL="800100" lvl="1" indent="-342900">
+              <a:buFontTx/>
+              <a:buChar char="-"/>
+            </a:pPr>
+            <a:r>
+              <a:rPr lang="ko-KR" altLang="en-US" sz="2000" dirty="0">
+                <a:latin typeface="배달의민족 주아" panose="02020603020101020101" pitchFamily="18" charset="-127"/>
+                <a:ea typeface="배달의민족 주아" panose="02020603020101020101" pitchFamily="18" charset="-127"/>
+              </a:rPr>
+              <a:t>실행 상태</a:t>
+            </a:r>
+            <a:r>
+              <a:rPr lang="en-US" altLang="ko-KR" sz="2000" dirty="0">
+                <a:latin typeface="배달의민족 주아" panose="02020603020101020101" pitchFamily="18" charset="-127"/>
+                <a:ea typeface="배달의민족 주아" panose="02020603020101020101" pitchFamily="18" charset="-127"/>
+              </a:rPr>
+              <a:t>, </a:t>
+            </a:r>
+            <a:r>
+              <a:rPr lang="ko-KR" altLang="en-US" sz="2000" dirty="0">
+                <a:latin typeface="배달의민족 주아" panose="02020603020101020101" pitchFamily="18" charset="-127"/>
+                <a:ea typeface="배달의민족 주아" panose="02020603020101020101" pitchFamily="18" charset="-127"/>
+              </a:rPr>
+              <a:t>실행 정도 등을 저장하는 레지스터 정보</a:t>
+            </a:r>
+            <a:endParaRPr lang="en-US" altLang="ko-KR" sz="2000" dirty="0">
+              <a:latin typeface="배달의민족 주아" panose="02020603020101020101" pitchFamily="18" charset="-127"/>
+              <a:ea typeface="배달의민족 주아" panose="02020603020101020101" pitchFamily="18" charset="-127"/>
+            </a:endParaRPr>
+          </a:p>
+          <a:p>
+            <a:pPr lvl="1"/>
+            <a:endParaRPr lang="en-US" altLang="ko-KR" sz="2000" dirty="0">
+              <a:latin typeface="배달의민족 주아" panose="02020603020101020101" pitchFamily="18" charset="-127"/>
+              <a:ea typeface="배달의민족 주아" panose="02020603020101020101" pitchFamily="18" charset="-127"/>
+            </a:endParaRPr>
+          </a:p>
+          <a:p>
+            <a:pPr marL="742950" indent="-742950">
+              <a:buFont typeface="+mj-lt"/>
+              <a:buAutoNum type="arabicPeriod" startAt="4"/>
+            </a:pPr>
+            <a:r>
+              <a:rPr lang="en-US" altLang="ko-KR" sz="2800" dirty="0">
+                <a:latin typeface="배달의민족 주아" panose="02020603020101020101" pitchFamily="18" charset="-127"/>
+                <a:ea typeface="배달의민족 주아" panose="02020603020101020101" pitchFamily="18" charset="-127"/>
+              </a:rPr>
+              <a:t>Stack Pointer</a:t>
+            </a:r>
+          </a:p>
+          <a:p>
+            <a:pPr marL="800100" lvl="1" indent="-342900">
+              <a:buFontTx/>
+              <a:buChar char="-"/>
+            </a:pPr>
+            <a:r>
+              <a:rPr lang="ko-KR" altLang="en-US" sz="2000" dirty="0">
+                <a:latin typeface="배달의민족 주아" panose="02020603020101020101" pitchFamily="18" charset="-127"/>
+                <a:ea typeface="배달의민족 주아" panose="02020603020101020101" pitchFamily="18" charset="-127"/>
+              </a:rPr>
+              <a:t>고유 스택 메모리 주소</a:t>
+            </a:r>
+            <a:endParaRPr lang="en-US" altLang="ko-KR" sz="2000" dirty="0">
+              <a:latin typeface="배달의민족 주아" panose="02020603020101020101" pitchFamily="18" charset="-127"/>
+              <a:ea typeface="배달의민족 주아" panose="02020603020101020101" pitchFamily="18" charset="-127"/>
+            </a:endParaRPr>
+          </a:p>
+          <a:p>
+            <a:pPr marL="800100" lvl="1" indent="-342900">
+              <a:buFontTx/>
+              <a:buChar char="-"/>
+            </a:pPr>
+            <a:r>
+              <a:rPr lang="ko-KR" altLang="en-US" sz="2000" dirty="0">
+                <a:latin typeface="배달의민족 주아" panose="02020603020101020101" pitchFamily="18" charset="-127"/>
+                <a:ea typeface="배달의민족 주아" panose="02020603020101020101" pitchFamily="18" charset="-127"/>
+              </a:rPr>
+              <a:t>스레드는 같은 프로세스의 </a:t>
+            </a:r>
+            <a:r>
+              <a:rPr lang="en-US" altLang="ko-KR" sz="2000" dirty="0">
+                <a:latin typeface="배달의민족 주아" panose="02020603020101020101" pitchFamily="18" charset="-127"/>
+                <a:ea typeface="배달의민족 주아" panose="02020603020101020101" pitchFamily="18" charset="-127"/>
+              </a:rPr>
+              <a:t>Code, Data, Heap </a:t>
+            </a:r>
+            <a:r>
+              <a:rPr lang="ko-KR" altLang="en-US" sz="2000" dirty="0">
+                <a:latin typeface="배달의민족 주아" panose="02020603020101020101" pitchFamily="18" charset="-127"/>
+                <a:ea typeface="배달의민족 주아" panose="02020603020101020101" pitchFamily="18" charset="-127"/>
+              </a:rPr>
+              <a:t>메모리 영역을 공유하지만 </a:t>
+            </a:r>
+            <a:r>
+              <a:rPr lang="en-US" altLang="ko-KR" sz="2000" dirty="0">
+                <a:latin typeface="배달의민족 주아" panose="02020603020101020101" pitchFamily="18" charset="-127"/>
+                <a:ea typeface="배달의민족 주아" panose="02020603020101020101" pitchFamily="18" charset="-127"/>
+              </a:rPr>
+              <a:t>Stack </a:t>
+            </a:r>
+            <a:r>
+              <a:rPr lang="ko-KR" altLang="en-US" sz="2000" dirty="0">
+                <a:latin typeface="배달의민족 주아" panose="02020603020101020101" pitchFamily="18" charset="-127"/>
+                <a:ea typeface="배달의민족 주아" panose="02020603020101020101" pitchFamily="18" charset="-127"/>
+              </a:rPr>
+              <a:t>메모리 영역은 고유한 영역을 보유하고 있다</a:t>
+            </a:r>
+            <a:endParaRPr lang="en-US" altLang="ko-KR" sz="2000" dirty="0">
+              <a:latin typeface="배달의민족 주아" panose="02020603020101020101" pitchFamily="18" charset="-127"/>
+              <a:ea typeface="배달의민족 주아" panose="02020603020101020101" pitchFamily="18" charset="-127"/>
+            </a:endParaRPr>
+          </a:p>
+          <a:p>
+            <a:pPr marL="800100" lvl="1" indent="-342900">
+              <a:buFontTx/>
+              <a:buChar char="-"/>
+            </a:pPr>
+            <a:endParaRPr lang="en-US" altLang="ko-KR" sz="2000" dirty="0">
+              <a:latin typeface="배달의민족 주아" panose="02020603020101020101" pitchFamily="18" charset="-127"/>
+              <a:ea typeface="배달의민족 주아" panose="02020603020101020101" pitchFamily="18" charset="-127"/>
+            </a:endParaRPr>
+          </a:p>
+          <a:p>
+            <a:pPr marL="742950" indent="-742950">
+              <a:buFont typeface="+mj-lt"/>
+              <a:buAutoNum type="arabicPeriod" startAt="4"/>
+            </a:pPr>
+            <a:r>
+              <a:rPr lang="en-US" altLang="ko-KR" sz="2800" dirty="0">
+                <a:latin typeface="배달의민족 주아" panose="02020603020101020101" pitchFamily="18" charset="-127"/>
+                <a:ea typeface="배달의민족 주아" panose="02020603020101020101" pitchFamily="18" charset="-127"/>
+              </a:rPr>
+              <a:t>PCB Pointer</a:t>
+            </a:r>
+          </a:p>
+          <a:p>
+            <a:pPr marL="914400" lvl="1" indent="-457200">
+              <a:buFontTx/>
+              <a:buChar char="-"/>
+            </a:pPr>
+            <a:r>
+              <a:rPr lang="ko-KR" altLang="en-US" sz="2000" dirty="0">
+                <a:latin typeface="배달의민족 주아" panose="02020603020101020101" pitchFamily="18" charset="-127"/>
+                <a:ea typeface="배달의민족 주아" panose="02020603020101020101" pitchFamily="18" charset="-127"/>
+              </a:rPr>
+              <a:t>현재 스레드가 작동중인 프로세스 정보 </a:t>
+            </a:r>
+            <a:r>
+              <a:rPr lang="en-US" altLang="ko-KR" sz="2000" dirty="0">
+                <a:latin typeface="배달의민족 주아" panose="02020603020101020101" pitchFamily="18" charset="-127"/>
+                <a:ea typeface="배달의민족 주아" panose="02020603020101020101" pitchFamily="18" charset="-127"/>
+              </a:rPr>
+              <a:t>( PCB ) </a:t>
+            </a:r>
+            <a:r>
+              <a:rPr lang="ko-KR" altLang="en-US" sz="2000" dirty="0">
+                <a:latin typeface="배달의민족 주아" panose="02020603020101020101" pitchFamily="18" charset="-127"/>
+                <a:ea typeface="배달의민족 주아" panose="02020603020101020101" pitchFamily="18" charset="-127"/>
+              </a:rPr>
+              <a:t>주소</a:t>
+            </a:r>
+            <a:endParaRPr lang="en-US" altLang="ko-KR" sz="2000" dirty="0">
+              <a:latin typeface="배달의민족 주아" panose="02020603020101020101" pitchFamily="18" charset="-127"/>
+              <a:ea typeface="배달의민족 주아" panose="02020603020101020101" pitchFamily="18" charset="-127"/>
+            </a:endParaRPr>
+          </a:p>
+          <a:p>
+            <a:pPr marL="457200" indent="-457200">
+              <a:buFontTx/>
+              <a:buChar char="-"/>
+            </a:pPr>
+            <a:endParaRPr lang="en-US" altLang="ko-KR" sz="2800" dirty="0">
+              <a:latin typeface="배달의민족 주아" panose="02020603020101020101" pitchFamily="18" charset="-127"/>
+              <a:ea typeface="배달의민족 주아" panose="02020603020101020101" pitchFamily="18" charset="-127"/>
+            </a:endParaRPr>
+          </a:p>
+        </p:txBody>
+      </p:sp>
+      <p:sp>
+        <p:nvSpPr>
+          <p:cNvPr id="6" name="직사각형 5">
+            <a:extLst>
+              <a:ext uri="{FF2B5EF4-FFF2-40B4-BE49-F238E27FC236}">
+                <a16:creationId xmlns:a16="http://schemas.microsoft.com/office/drawing/2014/main" id="{252819F7-26FF-49D2-B02C-0252A2A4395D}"/>
               </a:ext>
             </a:extLst>
           </p:cNvPr>
@@ -18223,7 +18697,7 @@
                 <a:latin typeface="태나다체 " panose="02000000000000000000" pitchFamily="2" charset="-127"/>
                 <a:ea typeface="태나다체 " panose="02000000000000000000" pitchFamily="2" charset="-127"/>
               </a:rPr>
-              <a:t>프로세스 제어 블록</a:t>
+              <a:t>스레드 제어 블록</a:t>
             </a:r>
             <a:endParaRPr lang="en-US" altLang="ko-KR" sz="2000" dirty="0">
               <a:solidFill>
@@ -18243,7 +18717,7 @@
                 <a:latin typeface="태나다체 " panose="02000000000000000000" pitchFamily="2" charset="-127"/>
                 <a:ea typeface="태나다체 " panose="02000000000000000000" pitchFamily="2" charset="-127"/>
               </a:rPr>
-              <a:t>( Process Control Block )</a:t>
+              <a:t>(Thread Control Block )</a:t>
             </a:r>
             <a:endParaRPr lang="ko-KR" altLang="en-US" sz="2000" dirty="0">
               <a:solidFill>
@@ -18251,480 +18725,6 @@
               </a:solidFill>
               <a:latin typeface="태나다체 " panose="02000000000000000000" pitchFamily="2" charset="-127"/>
               <a:ea typeface="태나다체 " panose="02000000000000000000" pitchFamily="2" charset="-127"/>
-            </a:endParaRPr>
-          </a:p>
-        </p:txBody>
-      </p:sp>
-      <p:sp>
-        <p:nvSpPr>
-          <p:cNvPr id="10" name="직사각형 9">
-            <a:extLst>
-              <a:ext uri="{FF2B5EF4-FFF2-40B4-BE49-F238E27FC236}">
-                <a16:creationId xmlns:a16="http://schemas.microsoft.com/office/drawing/2014/main" id="{D7FC13F9-53F7-4DDD-9518-EC9F9A372F27}"/>
-              </a:ext>
-            </a:extLst>
-          </p:cNvPr>
-          <p:cNvSpPr/>
-          <p:nvPr/>
-        </p:nvSpPr>
-        <p:spPr>
-          <a:xfrm>
-            <a:off x="436880" y="2351425"/>
-            <a:ext cx="5850818" cy="3847207"/>
-          </a:xfrm>
-          <a:prstGeom prst="rect">
-            <a:avLst/>
-          </a:prstGeom>
-        </p:spPr>
-        <p:txBody>
-          <a:bodyPr wrap="square">
-            <a:spAutoFit/>
-          </a:bodyPr>
-          <a:lstStyle/>
-          <a:p>
-            <a:pPr marL="742950" indent="-742950">
-              <a:buFont typeface="+mj-lt"/>
-              <a:buAutoNum type="arabicPeriod"/>
-            </a:pPr>
-            <a:r>
-              <a:rPr lang="en-US" altLang="ko-KR" sz="2800" dirty="0">
-                <a:latin typeface="배달의민족 주아" panose="02020603020101020101" pitchFamily="18" charset="-127"/>
-                <a:ea typeface="배달의민족 주아" panose="02020603020101020101" pitchFamily="18" charset="-127"/>
-              </a:rPr>
-              <a:t>Thread ID (TID)</a:t>
-            </a:r>
-          </a:p>
-          <a:p>
-            <a:pPr marL="800100" lvl="1" indent="-342900">
-              <a:buFontTx/>
-              <a:buChar char="-"/>
-            </a:pPr>
-            <a:r>
-              <a:rPr lang="ko-KR" altLang="en-US" sz="2000" dirty="0">
-                <a:latin typeface="배달의민족 주아" panose="02020603020101020101" pitchFamily="18" charset="-127"/>
-                <a:ea typeface="배달의민족 주아" panose="02020603020101020101" pitchFamily="18" charset="-127"/>
-              </a:rPr>
-              <a:t>스레드 </a:t>
-            </a:r>
-            <a:r>
-              <a:rPr lang="en-US" altLang="ko-KR" sz="2000" dirty="0">
-                <a:latin typeface="배달의민족 주아" panose="02020603020101020101" pitchFamily="18" charset="-127"/>
-                <a:ea typeface="배달의민족 주아" panose="02020603020101020101" pitchFamily="18" charset="-127"/>
-              </a:rPr>
-              <a:t>ID</a:t>
-            </a:r>
-          </a:p>
-          <a:p>
-            <a:pPr marL="800100" lvl="1" indent="-342900">
-              <a:buFontTx/>
-              <a:buChar char="-"/>
-            </a:pPr>
-            <a:r>
-              <a:rPr lang="ko-KR" altLang="en-US" sz="2000" dirty="0">
-                <a:latin typeface="배달의민족 주아" panose="02020603020101020101" pitchFamily="18" charset="-127"/>
-                <a:ea typeface="배달의민족 주아" panose="02020603020101020101" pitchFamily="18" charset="-127"/>
-              </a:rPr>
-              <a:t>스레드를 식별하기 위한 고유 번호</a:t>
-            </a:r>
-            <a:endParaRPr lang="en-US" altLang="ko-KR" sz="2000" dirty="0">
-              <a:latin typeface="배달의민족 주아" panose="02020603020101020101" pitchFamily="18" charset="-127"/>
-              <a:ea typeface="배달의민족 주아" panose="02020603020101020101" pitchFamily="18" charset="-127"/>
-            </a:endParaRPr>
-          </a:p>
-          <a:p>
-            <a:pPr lvl="1"/>
-            <a:endParaRPr lang="en-US" altLang="ko-KR" sz="2000" dirty="0">
-              <a:latin typeface="배달의민족 주아" panose="02020603020101020101" pitchFamily="18" charset="-127"/>
-              <a:ea typeface="배달의민족 주아" panose="02020603020101020101" pitchFamily="18" charset="-127"/>
-            </a:endParaRPr>
-          </a:p>
-          <a:p>
-            <a:pPr marL="742950" indent="-742950">
-              <a:buFont typeface="+mj-lt"/>
-              <a:buAutoNum type="arabicPeriod"/>
-            </a:pPr>
-            <a:r>
-              <a:rPr lang="en-US" altLang="ko-KR" sz="2800" dirty="0">
-                <a:latin typeface="배달의민족 주아" panose="02020603020101020101" pitchFamily="18" charset="-127"/>
-                <a:ea typeface="배달의민족 주아" panose="02020603020101020101" pitchFamily="18" charset="-127"/>
-              </a:rPr>
-              <a:t>Thread State</a:t>
-            </a:r>
-          </a:p>
-          <a:p>
-            <a:pPr marL="800100" lvl="1" indent="-342900">
-              <a:buFontTx/>
-              <a:buChar char="-"/>
-            </a:pPr>
-            <a:r>
-              <a:rPr lang="ko-KR" altLang="en-US" sz="2000" dirty="0">
-                <a:latin typeface="배달의민족 주아" panose="02020603020101020101" pitchFamily="18" charset="-127"/>
-                <a:ea typeface="배달의민족 주아" panose="02020603020101020101" pitchFamily="18" charset="-127"/>
-              </a:rPr>
-              <a:t>스레드 상태</a:t>
-            </a:r>
-            <a:endParaRPr lang="en-US" altLang="ko-KR" sz="2000" dirty="0">
-              <a:latin typeface="배달의민족 주아" panose="02020603020101020101" pitchFamily="18" charset="-127"/>
-              <a:ea typeface="배달의민족 주아" panose="02020603020101020101" pitchFamily="18" charset="-127"/>
-            </a:endParaRPr>
-          </a:p>
-          <a:p>
-            <a:pPr marL="800100" lvl="1" indent="-342900">
-              <a:buFontTx/>
-              <a:buChar char="-"/>
-            </a:pPr>
-            <a:r>
-              <a:rPr lang="ko-KR" altLang="en-US" sz="2000" dirty="0" err="1">
-                <a:latin typeface="배달의민족 주아" panose="02020603020101020101" pitchFamily="18" charset="-127"/>
-                <a:ea typeface="배달의민족 주아" panose="02020603020101020101" pitchFamily="18" charset="-127"/>
-              </a:rPr>
-              <a:t>실행중</a:t>
-            </a:r>
-            <a:r>
-              <a:rPr lang="en-US" altLang="ko-KR" sz="2000" dirty="0">
-                <a:latin typeface="배달의민족 주아" panose="02020603020101020101" pitchFamily="18" charset="-127"/>
-                <a:ea typeface="배달의민족 주아" panose="02020603020101020101" pitchFamily="18" charset="-127"/>
-              </a:rPr>
-              <a:t>, </a:t>
-            </a:r>
-            <a:r>
-              <a:rPr lang="ko-KR" altLang="en-US" sz="2000" dirty="0">
-                <a:latin typeface="배달의민족 주아" panose="02020603020101020101" pitchFamily="18" charset="-127"/>
-                <a:ea typeface="배달의민족 주아" panose="02020603020101020101" pitchFamily="18" charset="-127"/>
-              </a:rPr>
-              <a:t>준비</a:t>
-            </a:r>
-            <a:r>
-              <a:rPr lang="en-US" altLang="ko-KR" sz="2000" dirty="0">
-                <a:latin typeface="배달의민족 주아" panose="02020603020101020101" pitchFamily="18" charset="-127"/>
-                <a:ea typeface="배달의민족 주아" panose="02020603020101020101" pitchFamily="18" charset="-127"/>
-              </a:rPr>
-              <a:t>, </a:t>
-            </a:r>
-            <a:r>
-              <a:rPr lang="ko-KR" altLang="en-US" sz="2000" dirty="0">
-                <a:latin typeface="배달의민족 주아" panose="02020603020101020101" pitchFamily="18" charset="-127"/>
-                <a:ea typeface="배달의민족 주아" panose="02020603020101020101" pitchFamily="18" charset="-127"/>
-              </a:rPr>
-              <a:t>대기</a:t>
-            </a:r>
-            <a:r>
-              <a:rPr lang="en-US" altLang="ko-KR" sz="2000" dirty="0">
-                <a:latin typeface="배달의민족 주아" panose="02020603020101020101" pitchFamily="18" charset="-127"/>
-                <a:ea typeface="배달의민족 주아" panose="02020603020101020101" pitchFamily="18" charset="-127"/>
-              </a:rPr>
-              <a:t>, </a:t>
-            </a:r>
-            <a:r>
-              <a:rPr lang="ko-KR" altLang="en-US" sz="2000" dirty="0">
-                <a:latin typeface="배달의민족 주아" panose="02020603020101020101" pitchFamily="18" charset="-127"/>
-                <a:ea typeface="배달의민족 주아" panose="02020603020101020101" pitchFamily="18" charset="-127"/>
-              </a:rPr>
-              <a:t>시작</a:t>
-            </a:r>
-            <a:r>
-              <a:rPr lang="en-US" altLang="ko-KR" sz="2000" dirty="0">
-                <a:latin typeface="배달의민족 주아" panose="02020603020101020101" pitchFamily="18" charset="-127"/>
-                <a:ea typeface="배달의민족 주아" panose="02020603020101020101" pitchFamily="18" charset="-127"/>
-              </a:rPr>
-              <a:t>, </a:t>
-            </a:r>
-            <a:r>
-              <a:rPr lang="ko-KR" altLang="en-US" sz="2000" dirty="0">
-                <a:latin typeface="배달의민족 주아" panose="02020603020101020101" pitchFamily="18" charset="-127"/>
-                <a:ea typeface="배달의민족 주아" panose="02020603020101020101" pitchFamily="18" charset="-127"/>
-              </a:rPr>
-              <a:t>종료 와 같은 상태 정보</a:t>
-            </a:r>
-            <a:endParaRPr lang="en-US" altLang="ko-KR" sz="2000" dirty="0">
-              <a:latin typeface="배달의민족 주아" panose="02020603020101020101" pitchFamily="18" charset="-127"/>
-              <a:ea typeface="배달의민족 주아" panose="02020603020101020101" pitchFamily="18" charset="-127"/>
-            </a:endParaRPr>
-          </a:p>
-          <a:p>
-            <a:pPr lvl="1"/>
-            <a:endParaRPr lang="en-US" altLang="ko-KR" sz="2000" dirty="0">
-              <a:latin typeface="배달의민족 주아" panose="02020603020101020101" pitchFamily="18" charset="-127"/>
-              <a:ea typeface="배달의민족 주아" panose="02020603020101020101" pitchFamily="18" charset="-127"/>
-            </a:endParaRPr>
-          </a:p>
-          <a:p>
-            <a:pPr marL="742950" indent="-742950">
-              <a:buFont typeface="+mj-lt"/>
-              <a:buAutoNum type="arabicPeriod"/>
-            </a:pPr>
-            <a:r>
-              <a:rPr lang="en-US" altLang="ko-KR" sz="2800" dirty="0">
-                <a:latin typeface="배달의민족 주아" panose="02020603020101020101" pitchFamily="18" charset="-127"/>
-                <a:ea typeface="배달의민족 주아" panose="02020603020101020101" pitchFamily="18" charset="-127"/>
-              </a:rPr>
-              <a:t>Program Counter</a:t>
-            </a:r>
-          </a:p>
-          <a:p>
-            <a:pPr marL="800100" lvl="1" indent="-342900">
-              <a:buFontTx/>
-              <a:buChar char="-"/>
-            </a:pPr>
-            <a:r>
-              <a:rPr lang="ko-KR" altLang="en-US" sz="2000" dirty="0">
-                <a:latin typeface="배달의민족 주아" panose="02020603020101020101" pitchFamily="18" charset="-127"/>
-                <a:ea typeface="배달의민족 주아" panose="02020603020101020101" pitchFamily="18" charset="-127"/>
-              </a:rPr>
-              <a:t>프로그램 계수기</a:t>
-            </a:r>
-            <a:endParaRPr lang="en-US" altLang="ko-KR" sz="2000" dirty="0">
-              <a:latin typeface="배달의민족 주아" panose="02020603020101020101" pitchFamily="18" charset="-127"/>
-              <a:ea typeface="배달의민족 주아" panose="02020603020101020101" pitchFamily="18" charset="-127"/>
-            </a:endParaRPr>
-          </a:p>
-          <a:p>
-            <a:pPr marL="800100" lvl="1" indent="-342900">
-              <a:buFontTx/>
-              <a:buChar char="-"/>
-            </a:pPr>
-            <a:r>
-              <a:rPr lang="ko-KR" altLang="en-US" sz="2000" dirty="0">
-                <a:latin typeface="배달의민족 주아" panose="02020603020101020101" pitchFamily="18" charset="-127"/>
-                <a:ea typeface="배달의민족 주아" panose="02020603020101020101" pitchFamily="18" charset="-127"/>
-              </a:rPr>
-              <a:t>현재 실행될 명령의 주소</a:t>
-            </a:r>
-            <a:endParaRPr lang="en-US" altLang="ko-KR" sz="2000" dirty="0">
-              <a:latin typeface="배달의민족 주아" panose="02020603020101020101" pitchFamily="18" charset="-127"/>
-              <a:ea typeface="배달의민족 주아" panose="02020603020101020101" pitchFamily="18" charset="-127"/>
-            </a:endParaRPr>
-          </a:p>
-        </p:txBody>
-      </p:sp>
-      <p:sp>
-        <p:nvSpPr>
-          <p:cNvPr id="7" name="직사각형 6">
-            <a:extLst>
-              <a:ext uri="{FF2B5EF4-FFF2-40B4-BE49-F238E27FC236}">
-                <a16:creationId xmlns:a16="http://schemas.microsoft.com/office/drawing/2014/main" id="{13AB674E-8C4D-4DDC-A17B-5E5CF42ADCA2}"/>
-              </a:ext>
-            </a:extLst>
-          </p:cNvPr>
-          <p:cNvSpPr/>
-          <p:nvPr/>
-        </p:nvSpPr>
-        <p:spPr>
-          <a:xfrm>
-            <a:off x="5027611" y="421025"/>
-            <a:ext cx="6824836" cy="4093428"/>
-          </a:xfrm>
-          <a:prstGeom prst="rect">
-            <a:avLst/>
-          </a:prstGeom>
-        </p:spPr>
-        <p:txBody>
-          <a:bodyPr wrap="square">
-            <a:spAutoFit/>
-          </a:bodyPr>
-          <a:lstStyle/>
-          <a:p>
-            <a:pPr marL="742950" indent="-742950">
-              <a:buFont typeface="+mj-lt"/>
-              <a:buAutoNum type="arabicPeriod" startAt="4"/>
-            </a:pPr>
-            <a:r>
-              <a:rPr lang="en-US" altLang="ko-KR" sz="2800" dirty="0">
-                <a:latin typeface="배달의민족 주아" panose="02020603020101020101" pitchFamily="18" charset="-127"/>
-                <a:ea typeface="배달의민족 주아" panose="02020603020101020101" pitchFamily="18" charset="-127"/>
-              </a:rPr>
-              <a:t>Register</a:t>
-            </a:r>
-            <a:r>
-              <a:rPr lang="ko-KR" altLang="en-US" sz="2800" dirty="0">
-                <a:latin typeface="배달의민족 주아" panose="02020603020101020101" pitchFamily="18" charset="-127"/>
-                <a:ea typeface="배달의민족 주아" panose="02020603020101020101" pitchFamily="18" charset="-127"/>
-              </a:rPr>
-              <a:t> </a:t>
-            </a:r>
-            <a:r>
-              <a:rPr lang="en-US" altLang="ko-KR" sz="2800" dirty="0">
-                <a:latin typeface="배달의민족 주아" panose="02020603020101020101" pitchFamily="18" charset="-127"/>
-                <a:ea typeface="배달의민족 주아" panose="02020603020101020101" pitchFamily="18" charset="-127"/>
-              </a:rPr>
-              <a:t>Information</a:t>
-            </a:r>
-          </a:p>
-          <a:p>
-            <a:pPr marL="800100" lvl="1" indent="-342900">
-              <a:buFontTx/>
-              <a:buChar char="-"/>
-            </a:pPr>
-            <a:r>
-              <a:rPr lang="ko-KR" altLang="en-US" sz="2000" dirty="0">
-                <a:latin typeface="배달의민족 주아" panose="02020603020101020101" pitchFamily="18" charset="-127"/>
-                <a:ea typeface="배달의민족 주아" panose="02020603020101020101" pitchFamily="18" charset="-127"/>
-              </a:rPr>
-              <a:t>실행 상태</a:t>
-            </a:r>
-            <a:r>
-              <a:rPr lang="en-US" altLang="ko-KR" sz="2000" dirty="0">
-                <a:latin typeface="배달의민족 주아" panose="02020603020101020101" pitchFamily="18" charset="-127"/>
-                <a:ea typeface="배달의민족 주아" panose="02020603020101020101" pitchFamily="18" charset="-127"/>
-              </a:rPr>
-              <a:t>, </a:t>
-            </a:r>
-            <a:r>
-              <a:rPr lang="ko-KR" altLang="en-US" sz="2000" dirty="0">
-                <a:latin typeface="배달의민족 주아" panose="02020603020101020101" pitchFamily="18" charset="-127"/>
-                <a:ea typeface="배달의민족 주아" panose="02020603020101020101" pitchFamily="18" charset="-127"/>
-              </a:rPr>
-              <a:t>실행 정도 등을 저장하는 레지스터 정보</a:t>
-            </a:r>
-            <a:endParaRPr lang="en-US" altLang="ko-KR" sz="2000" dirty="0">
-              <a:latin typeface="배달의민족 주아" panose="02020603020101020101" pitchFamily="18" charset="-127"/>
-              <a:ea typeface="배달의민족 주아" panose="02020603020101020101" pitchFamily="18" charset="-127"/>
-            </a:endParaRPr>
-          </a:p>
-          <a:p>
-            <a:pPr lvl="1"/>
-            <a:endParaRPr lang="en-US" altLang="ko-KR" sz="2000" dirty="0">
-              <a:latin typeface="배달의민족 주아" panose="02020603020101020101" pitchFamily="18" charset="-127"/>
-              <a:ea typeface="배달의민족 주아" panose="02020603020101020101" pitchFamily="18" charset="-127"/>
-            </a:endParaRPr>
-          </a:p>
-          <a:p>
-            <a:pPr marL="742950" indent="-742950">
-              <a:buFont typeface="+mj-lt"/>
-              <a:buAutoNum type="arabicPeriod" startAt="4"/>
-            </a:pPr>
-            <a:r>
-              <a:rPr lang="en-US" altLang="ko-KR" sz="2800" dirty="0">
-                <a:latin typeface="배달의민족 주아" panose="02020603020101020101" pitchFamily="18" charset="-127"/>
-                <a:ea typeface="배달의민족 주아" panose="02020603020101020101" pitchFamily="18" charset="-127"/>
-              </a:rPr>
-              <a:t>Stack Pointer</a:t>
-            </a:r>
-          </a:p>
-          <a:p>
-            <a:pPr marL="800100" lvl="1" indent="-342900">
-              <a:buFontTx/>
-              <a:buChar char="-"/>
-            </a:pPr>
-            <a:r>
-              <a:rPr lang="ko-KR" altLang="en-US" sz="2000" dirty="0">
-                <a:latin typeface="배달의민족 주아" panose="02020603020101020101" pitchFamily="18" charset="-127"/>
-                <a:ea typeface="배달의민족 주아" panose="02020603020101020101" pitchFamily="18" charset="-127"/>
-              </a:rPr>
-              <a:t>고유 스택 메모리 주소</a:t>
-            </a:r>
-            <a:endParaRPr lang="en-US" altLang="ko-KR" sz="2000" dirty="0">
-              <a:latin typeface="배달의민족 주아" panose="02020603020101020101" pitchFamily="18" charset="-127"/>
-              <a:ea typeface="배달의민족 주아" panose="02020603020101020101" pitchFamily="18" charset="-127"/>
-            </a:endParaRPr>
-          </a:p>
-          <a:p>
-            <a:pPr marL="800100" lvl="1" indent="-342900">
-              <a:buFontTx/>
-              <a:buChar char="-"/>
-            </a:pPr>
-            <a:r>
-              <a:rPr lang="ko-KR" altLang="en-US" sz="2000" dirty="0">
-                <a:latin typeface="배달의민족 주아" panose="02020603020101020101" pitchFamily="18" charset="-127"/>
-                <a:ea typeface="배달의민족 주아" panose="02020603020101020101" pitchFamily="18" charset="-127"/>
-              </a:rPr>
-              <a:t>스레드는 같은 프로세스의 </a:t>
-            </a:r>
-            <a:r>
-              <a:rPr lang="en-US" altLang="ko-KR" sz="2000" dirty="0">
-                <a:latin typeface="배달의민족 주아" panose="02020603020101020101" pitchFamily="18" charset="-127"/>
-                <a:ea typeface="배달의민족 주아" panose="02020603020101020101" pitchFamily="18" charset="-127"/>
-              </a:rPr>
-              <a:t>Code, Data, Heap </a:t>
-            </a:r>
-            <a:r>
-              <a:rPr lang="ko-KR" altLang="en-US" sz="2000" dirty="0">
-                <a:latin typeface="배달의민족 주아" panose="02020603020101020101" pitchFamily="18" charset="-127"/>
-                <a:ea typeface="배달의민족 주아" panose="02020603020101020101" pitchFamily="18" charset="-127"/>
-              </a:rPr>
-              <a:t>메모리 영역을 공유하지만 </a:t>
-            </a:r>
-            <a:r>
-              <a:rPr lang="en-US" altLang="ko-KR" sz="2000" dirty="0">
-                <a:latin typeface="배달의민족 주아" panose="02020603020101020101" pitchFamily="18" charset="-127"/>
-                <a:ea typeface="배달의민족 주아" panose="02020603020101020101" pitchFamily="18" charset="-127"/>
-              </a:rPr>
-              <a:t>Stack </a:t>
-            </a:r>
-            <a:r>
-              <a:rPr lang="ko-KR" altLang="en-US" sz="2000" dirty="0">
-                <a:latin typeface="배달의민족 주아" panose="02020603020101020101" pitchFamily="18" charset="-127"/>
-                <a:ea typeface="배달의민족 주아" panose="02020603020101020101" pitchFamily="18" charset="-127"/>
-              </a:rPr>
-              <a:t>메모리 영역은 고유한 영역을 보유하고 있다</a:t>
-            </a:r>
-            <a:endParaRPr lang="en-US" altLang="ko-KR" sz="2000" dirty="0">
-              <a:latin typeface="배달의민족 주아" panose="02020603020101020101" pitchFamily="18" charset="-127"/>
-              <a:ea typeface="배달의민족 주아" panose="02020603020101020101" pitchFamily="18" charset="-127"/>
-            </a:endParaRPr>
-          </a:p>
-          <a:p>
-            <a:pPr marL="800100" lvl="1" indent="-342900">
-              <a:buFontTx/>
-              <a:buChar char="-"/>
-            </a:pPr>
-            <a:endParaRPr lang="en-US" altLang="ko-KR" sz="2000" dirty="0">
-              <a:latin typeface="배달의민족 주아" panose="02020603020101020101" pitchFamily="18" charset="-127"/>
-              <a:ea typeface="배달의민족 주아" panose="02020603020101020101" pitchFamily="18" charset="-127"/>
-            </a:endParaRPr>
-          </a:p>
-          <a:p>
-            <a:pPr marL="742950" indent="-742950">
-              <a:buFont typeface="+mj-lt"/>
-              <a:buAutoNum type="arabicPeriod" startAt="4"/>
-            </a:pPr>
-            <a:r>
-              <a:rPr lang="en-US" altLang="ko-KR" sz="2800" dirty="0">
-                <a:latin typeface="배달의민족 주아" panose="02020603020101020101" pitchFamily="18" charset="-127"/>
-                <a:ea typeface="배달의민족 주아" panose="02020603020101020101" pitchFamily="18" charset="-127"/>
-              </a:rPr>
-              <a:t>PCB Pointer</a:t>
-            </a:r>
-          </a:p>
-          <a:p>
-            <a:pPr marL="914400" lvl="1" indent="-457200">
-              <a:buFontTx/>
-              <a:buChar char="-"/>
-            </a:pPr>
-            <a:r>
-              <a:rPr lang="ko-KR" altLang="en-US" sz="2000" dirty="0">
-                <a:latin typeface="배달의민족 주아" panose="02020603020101020101" pitchFamily="18" charset="-127"/>
-                <a:ea typeface="배달의민족 주아" panose="02020603020101020101" pitchFamily="18" charset="-127"/>
-              </a:rPr>
-              <a:t>현재 스레드가 작동중인 프로세스 정보 </a:t>
-            </a:r>
-            <a:r>
-              <a:rPr lang="en-US" altLang="ko-KR" sz="2000" dirty="0">
-                <a:latin typeface="배달의민족 주아" panose="02020603020101020101" pitchFamily="18" charset="-127"/>
-                <a:ea typeface="배달의민족 주아" panose="02020603020101020101" pitchFamily="18" charset="-127"/>
-              </a:rPr>
-              <a:t>( PCB ) </a:t>
-            </a:r>
-            <a:r>
-              <a:rPr lang="ko-KR" altLang="en-US" sz="2000" dirty="0">
-                <a:latin typeface="배달의민족 주아" panose="02020603020101020101" pitchFamily="18" charset="-127"/>
-                <a:ea typeface="배달의민족 주아" panose="02020603020101020101" pitchFamily="18" charset="-127"/>
-              </a:rPr>
-              <a:t>주소</a:t>
-            </a:r>
-            <a:endParaRPr lang="en-US" altLang="ko-KR" sz="2000" dirty="0">
-              <a:latin typeface="배달의민족 주아" panose="02020603020101020101" pitchFamily="18" charset="-127"/>
-              <a:ea typeface="배달의민족 주아" panose="02020603020101020101" pitchFamily="18" charset="-127"/>
-            </a:endParaRPr>
-          </a:p>
-          <a:p>
-            <a:pPr marL="457200" indent="-457200">
-              <a:buFontTx/>
-              <a:buChar char="-"/>
-            </a:pPr>
-            <a:endParaRPr lang="en-US" altLang="ko-KR" sz="2800" dirty="0">
-              <a:latin typeface="배달의민족 주아" panose="02020603020101020101" pitchFamily="18" charset="-127"/>
-              <a:ea typeface="배달의민족 주아" panose="02020603020101020101" pitchFamily="18" charset="-127"/>
             </a:endParaRPr>
           </a:p>
         </p:txBody>
@@ -20370,7 +20370,7 @@
                 <a:latin typeface="태나다체 " panose="02000000000000000000" pitchFamily="2" charset="-127"/>
                 <a:ea typeface="태나다체 " panose="02000000000000000000" pitchFamily="2" charset="-127"/>
               </a:rPr>
-              <a:t>( Thread Context Switching )</a:t>
+              <a:t>(Process Context Switching )</a:t>
             </a:r>
             <a:endParaRPr lang="ko-KR" altLang="en-US" dirty="0">
               <a:solidFill>
@@ -20812,7 +20812,7 @@
                 <a:latin typeface="태나다체 " panose="02000000000000000000" pitchFamily="2" charset="-127"/>
                 <a:ea typeface="태나다체 " panose="02000000000000000000" pitchFamily="2" charset="-127"/>
               </a:rPr>
-              <a:t>( Thread Context Switching )</a:t>
+              <a:t>(Process Context Switching )</a:t>
             </a:r>
             <a:endParaRPr lang="ko-KR" altLang="en-US" dirty="0">
               <a:solidFill>
